--- a/宣道詩/(宣道詩174)喜傳福音.pptx
+++ b/宣道詩/(宣道詩174)喜傳福音.pptx
@@ -5,14 +5,23 @@
     <p:sldMasterId id="2147483660" r:id="rId1"/>
   </p:sldMasterIdLst>
   <p:sldIdLst>
-    <p:sldId id="257" r:id="rId2"/>
-    <p:sldId id="258" r:id="rId3"/>
-    <p:sldId id="259" r:id="rId4"/>
-    <p:sldId id="260" r:id="rId5"/>
-    <p:sldId id="261" r:id="rId6"/>
-    <p:sldId id="262" r:id="rId7"/>
-    <p:sldId id="263" r:id="rId8"/>
-    <p:sldId id="264" r:id="rId9"/>
+    <p:sldId id="265" r:id="rId2"/>
+    <p:sldId id="266" r:id="rId3"/>
+    <p:sldId id="267" r:id="rId4"/>
+    <p:sldId id="268" r:id="rId5"/>
+    <p:sldId id="269" r:id="rId6"/>
+    <p:sldId id="270" r:id="rId7"/>
+    <p:sldId id="271" r:id="rId8"/>
+    <p:sldId id="272" r:id="rId9"/>
+    <p:sldId id="273" r:id="rId10"/>
+    <p:sldId id="274" r:id="rId11"/>
+    <p:sldId id="275" r:id="rId12"/>
+    <p:sldId id="276" r:id="rId13"/>
+    <p:sldId id="277" r:id="rId14"/>
+    <p:sldId id="278" r:id="rId15"/>
+    <p:sldId id="279" r:id="rId16"/>
+    <p:sldId id="280" r:id="rId17"/>
+    <p:sldId id="281" r:id="rId18"/>
   </p:sldIdLst>
   <p:sldSz cx="12192000" cy="6858000"/>
   <p:notesSz cx="6858000" cy="9144000"/>
@@ -111,6 +120,11 @@
       </a:defRPr>
     </a:lvl9pPr>
   </p:defaultTextStyle>
+  <p:extLst>
+    <p:ext uri="{EFAFB233-063F-42B5-8137-9DF3F51BA10A}">
+      <p15:sldGuideLst xmlns:p15="http://schemas.microsoft.com/office/powerpoint/2012/main"/>
+    </p:ext>
+  </p:extLst>
 </p:presentation>
 </file>
 
@@ -295,7 +309,7 @@
           <a:p>
             <a:fld id="{AB45A10F-A4B6-4674-BA3A-3E67A99839FA}" type="datetimeFigureOut">
               <a:rPr lang="vi-VN" smtClean="0"/>
-              <a:t>09/05/2020</a:t>
+              <a:t>20/08/2021</a:t>
             </a:fld>
             <a:endParaRPr lang="vi-VN"/>
           </a:p>
@@ -465,7 +479,7 @@
           <a:p>
             <a:fld id="{AB45A10F-A4B6-4674-BA3A-3E67A99839FA}" type="datetimeFigureOut">
               <a:rPr lang="vi-VN" smtClean="0"/>
-              <a:t>09/05/2020</a:t>
+              <a:t>20/08/2021</a:t>
             </a:fld>
             <a:endParaRPr lang="vi-VN"/>
           </a:p>
@@ -645,7 +659,7 @@
           <a:p>
             <a:fld id="{AB45A10F-A4B6-4674-BA3A-3E67A99839FA}" type="datetimeFigureOut">
               <a:rPr lang="vi-VN" smtClean="0"/>
-              <a:t>09/05/2020</a:t>
+              <a:t>20/08/2021</a:t>
             </a:fld>
             <a:endParaRPr lang="vi-VN"/>
           </a:p>
@@ -815,7 +829,7 @@
           <a:p>
             <a:fld id="{AB45A10F-A4B6-4674-BA3A-3E67A99839FA}" type="datetimeFigureOut">
               <a:rPr lang="vi-VN" smtClean="0"/>
-              <a:t>09/05/2020</a:t>
+              <a:t>20/08/2021</a:t>
             </a:fld>
             <a:endParaRPr lang="vi-VN"/>
           </a:p>
@@ -1061,7 +1075,7 @@
           <a:p>
             <a:fld id="{AB45A10F-A4B6-4674-BA3A-3E67A99839FA}" type="datetimeFigureOut">
               <a:rPr lang="vi-VN" smtClean="0"/>
-              <a:t>09/05/2020</a:t>
+              <a:t>20/08/2021</a:t>
             </a:fld>
             <a:endParaRPr lang="vi-VN"/>
           </a:p>
@@ -1349,7 +1363,7 @@
           <a:p>
             <a:fld id="{AB45A10F-A4B6-4674-BA3A-3E67A99839FA}" type="datetimeFigureOut">
               <a:rPr lang="vi-VN" smtClean="0"/>
-              <a:t>09/05/2020</a:t>
+              <a:t>20/08/2021</a:t>
             </a:fld>
             <a:endParaRPr lang="vi-VN"/>
           </a:p>
@@ -1771,7 +1785,7 @@
           <a:p>
             <a:fld id="{AB45A10F-A4B6-4674-BA3A-3E67A99839FA}" type="datetimeFigureOut">
               <a:rPr lang="vi-VN" smtClean="0"/>
-              <a:t>09/05/2020</a:t>
+              <a:t>20/08/2021</a:t>
             </a:fld>
             <a:endParaRPr lang="vi-VN"/>
           </a:p>
@@ -1889,7 +1903,7 @@
           <a:p>
             <a:fld id="{AB45A10F-A4B6-4674-BA3A-3E67A99839FA}" type="datetimeFigureOut">
               <a:rPr lang="vi-VN" smtClean="0"/>
-              <a:t>09/05/2020</a:t>
+              <a:t>20/08/2021</a:t>
             </a:fld>
             <a:endParaRPr lang="vi-VN"/>
           </a:p>
@@ -1984,7 +1998,7 @@
           <a:p>
             <a:fld id="{AB45A10F-A4B6-4674-BA3A-3E67A99839FA}" type="datetimeFigureOut">
               <a:rPr lang="vi-VN" smtClean="0"/>
-              <a:t>09/05/2020</a:t>
+              <a:t>20/08/2021</a:t>
             </a:fld>
             <a:endParaRPr lang="vi-VN"/>
           </a:p>
@@ -2261,7 +2275,7 @@
           <a:p>
             <a:fld id="{AB45A10F-A4B6-4674-BA3A-3E67A99839FA}" type="datetimeFigureOut">
               <a:rPr lang="vi-VN" smtClean="0"/>
-              <a:t>09/05/2020</a:t>
+              <a:t>20/08/2021</a:t>
             </a:fld>
             <a:endParaRPr lang="vi-VN"/>
           </a:p>
@@ -2518,7 +2532,7 @@
           <a:p>
             <a:fld id="{AB45A10F-A4B6-4674-BA3A-3E67A99839FA}" type="datetimeFigureOut">
               <a:rPr lang="vi-VN" smtClean="0"/>
-              <a:t>09/05/2020</a:t>
+              <a:t>20/08/2021</a:t>
             </a:fld>
             <a:endParaRPr lang="vi-VN"/>
           </a:p>
@@ -2736,7 +2750,7 @@
           <a:p>
             <a:fld id="{AB45A10F-A4B6-4674-BA3A-3E67A99839FA}" type="datetimeFigureOut">
               <a:rPr lang="vi-VN" smtClean="0"/>
-              <a:t>09/05/2020</a:t>
+              <a:t>20/08/2021</a:t>
             </a:fld>
             <a:endParaRPr lang="vi-VN"/>
           </a:p>
@@ -3113,7 +3127,7 @@
       </p:grpSpPr>
       <p:sp>
         <p:nvSpPr>
-          <p:cNvPr id="2" name="Title 1"/>
+          <p:cNvPr id="4" name="標題 3"/>
           <p:cNvSpPr>
             <a:spLocks noGrp="1"/>
           </p:cNvSpPr>
@@ -3121,124 +3135,250 @@
             <p:ph type="title"/>
           </p:nvPr>
         </p:nvSpPr>
-        <p:spPr/>
+        <p:spPr>
+          <a:xfrm>
+            <a:off x="0" y="2660915"/>
+            <a:ext cx="12192000" cy="1143000"/>
+          </a:xfrm>
+        </p:spPr>
         <p:txBody>
           <a:bodyPr>
+            <a:noAutofit/>
+          </a:bodyPr>
+          <a:lstStyle/>
+          <a:p>
+            <a:r>
+              <a:rPr lang="zh-CN" altLang="en-US" sz="5333" b="1" u="sng" dirty="0">
+                <a:solidFill>
+                  <a:srgbClr val="000066"/>
+                </a:solidFill>
+                <a:effectLst>
+                  <a:outerShdw blurRad="38100" dist="38100" dir="2700000" algn="tl">
+                    <a:srgbClr val="000000">
+                      <a:alpha val="43137"/>
+                    </a:srgbClr>
+                  </a:outerShdw>
+                </a:effectLst>
+                <a:latin typeface="微軟正黑體" pitchFamily="34" charset="-120"/>
+                <a:ea typeface="微軟正黑體" pitchFamily="34" charset="-120"/>
+              </a:rPr>
+              <a:t>宣道詩 </a:t>
+            </a:r>
+            <a:r>
+              <a:rPr lang="en-US" altLang="zh-CN" sz="5333" b="1" u="sng" dirty="0">
+                <a:solidFill>
+                  <a:srgbClr val="000066"/>
+                </a:solidFill>
+                <a:effectLst>
+                  <a:outerShdw blurRad="38100" dist="38100" dir="2700000" algn="tl">
+                    <a:srgbClr val="000000">
+                      <a:alpha val="43137"/>
+                    </a:srgbClr>
+                  </a:outerShdw>
+                </a:effectLst>
+                <a:latin typeface="微軟正黑體" pitchFamily="34" charset="-120"/>
+                <a:ea typeface="微軟正黑體" pitchFamily="34" charset="-120"/>
+              </a:rPr>
+              <a:t>174</a:t>
+            </a:r>
+            <a:r>
+              <a:rPr lang="en-US" altLang="zh-CN" sz="7200" b="1" i="1" dirty="0">
+                <a:solidFill>
+                  <a:srgbClr val="660033"/>
+                </a:solidFill>
+                <a:effectLst>
+                  <a:outerShdw blurRad="38100" dist="38100" dir="2700000" algn="tl">
+                    <a:srgbClr val="000000">
+                      <a:alpha val="43137"/>
+                    </a:srgbClr>
+                  </a:outerShdw>
+                </a:effectLst>
+                <a:latin typeface="微軟正黑體" pitchFamily="34" charset="-120"/>
+                <a:ea typeface="微軟正黑體" pitchFamily="34" charset="-120"/>
+              </a:rPr>
+              <a:t/>
+            </a:r>
+            <a:br>
+              <a:rPr lang="en-US" altLang="zh-CN" sz="7200" b="1" i="1" dirty="0">
+                <a:solidFill>
+                  <a:srgbClr val="660033"/>
+                </a:solidFill>
+                <a:effectLst>
+                  <a:outerShdw blurRad="38100" dist="38100" dir="2700000" algn="tl">
+                    <a:srgbClr val="000000">
+                      <a:alpha val="43137"/>
+                    </a:srgbClr>
+                  </a:outerShdw>
+                </a:effectLst>
+                <a:latin typeface="微軟正黑體" pitchFamily="34" charset="-120"/>
+                <a:ea typeface="微軟正黑體" pitchFamily="34" charset="-120"/>
+              </a:rPr>
+            </a:br>
+            <a:r>
+              <a:rPr lang="zh-CN" altLang="en-US" sz="8000" b="1" dirty="0">
+                <a:solidFill>
+                  <a:srgbClr val="660033"/>
+                </a:solidFill>
+                <a:effectLst>
+                  <a:outerShdw blurRad="38100" dist="38100" dir="2700000" algn="tl">
+                    <a:srgbClr val="000000">
+                      <a:alpha val="43137"/>
+                    </a:srgbClr>
+                  </a:outerShdw>
+                </a:effectLst>
+                <a:latin typeface="微軟正黑體" pitchFamily="34" charset="-120"/>
+                <a:ea typeface="微軟正黑體" pitchFamily="34" charset="-120"/>
+              </a:rPr>
+              <a:t>喜</a:t>
+            </a:r>
+            <a:r>
+              <a:rPr lang="zh-CN" altLang="en-US" sz="8000" b="1" dirty="0">
+                <a:solidFill>
+                  <a:srgbClr val="660033"/>
+                </a:solidFill>
+                <a:effectLst>
+                  <a:outerShdw blurRad="38100" dist="38100" dir="2700000" algn="tl">
+                    <a:srgbClr val="000000">
+                      <a:alpha val="43137"/>
+                    </a:srgbClr>
+                  </a:outerShdw>
+                </a:effectLst>
+                <a:latin typeface="微軟正黑體" pitchFamily="34" charset="-120"/>
+                <a:ea typeface="微軟正黑體" pitchFamily="34" charset="-120"/>
+              </a:rPr>
+              <a:t>傳福音</a:t>
+            </a:r>
+            <a:endParaRPr lang="zh-TW" altLang="en-US" sz="8000" b="1" dirty="0">
+              <a:solidFill>
+                <a:srgbClr val="660033"/>
+              </a:solidFill>
+              <a:effectLst>
+                <a:outerShdw blurRad="38100" dist="38100" dir="2700000" algn="tl">
+                  <a:srgbClr val="000000">
+                    <a:alpha val="43137"/>
+                  </a:srgbClr>
+                </a:outerShdw>
+              </a:effectLst>
+              <a:latin typeface="微軟正黑體" pitchFamily="34" charset="-120"/>
+              <a:ea typeface="微軟正黑體" pitchFamily="34" charset="-120"/>
+            </a:endParaRPr>
+          </a:p>
+        </p:txBody>
+      </p:sp>
+    </p:spTree>
+    <p:extLst>
+      <p:ext uri="{BB962C8B-B14F-4D97-AF65-F5344CB8AC3E}">
+        <p14:creationId xmlns:p14="http://schemas.microsoft.com/office/powerpoint/2010/main" val="128877165"/>
+      </p:ext>
+    </p:extLst>
+  </p:cSld>
+  <p:clrMapOvr>
+    <a:masterClrMapping/>
+  </p:clrMapOvr>
+  <p:timing>
+    <p:tnLst>
+      <p:par>
+        <p:cTn id="1" dur="indefinite" restart="never" nodeType="tmRoot"/>
+      </p:par>
+    </p:tnLst>
+  </p:timing>
+</p:sld>
+</file>
+
+<file path=ppt/slides/slide10.xml><?xml version="1.0" encoding="utf-8"?>
+<p:sld xmlns:a="http://schemas.openxmlformats.org/drawingml/2006/main" xmlns:r="http://schemas.openxmlformats.org/officeDocument/2006/relationships" xmlns:p="http://schemas.openxmlformats.org/presentationml/2006/main">
+  <p:cSld>
+    <p:spTree>
+      <p:nvGrpSpPr>
+        <p:cNvPr id="1" name=""/>
+        <p:cNvGrpSpPr/>
+        <p:nvPr/>
+      </p:nvGrpSpPr>
+      <p:grpSpPr>
+        <a:xfrm>
+          <a:off x="0" y="0"/>
+          <a:ext cx="0" cy="0"/>
+          <a:chOff x="0" y="0"/>
+          <a:chExt cx="0" cy="0"/>
+        </a:xfrm>
+      </p:grpSpPr>
+      <p:sp>
+        <p:nvSpPr>
+          <p:cNvPr id="5" name="內容版面配置區 4"/>
+          <p:cNvSpPr>
+            <a:spLocks noGrp="1"/>
+          </p:cNvSpPr>
+          <p:nvPr>
+            <p:ph idx="1"/>
+          </p:nvPr>
+        </p:nvSpPr>
+        <p:spPr>
+          <a:xfrm>
+            <a:off x="0" y="2084851"/>
+            <a:ext cx="12192000" cy="2404863"/>
+          </a:xfrm>
+        </p:spPr>
+        <p:txBody>
+          <a:bodyPr anchor="ctr">
             <a:normAutofit/>
           </a:bodyPr>
           <a:lstStyle/>
           <a:p>
-            <a:r>
-              <a:rPr lang="zh-CN" altLang="en-US" sz="4800" b="1" dirty="0" smtClean="0">
+            <a:pPr marL="0" indent="0" algn="ctr">
+              <a:buNone/>
+            </a:pPr>
+            <a:r>
+              <a:rPr lang="zh-CN" altLang="en-US" sz="6400" b="1" dirty="0">
+                <a:solidFill>
+                  <a:srgbClr val="660033"/>
+                </a:solidFill>
                 <a:latin typeface="Microsoft JhengHei" panose="020B0604030504040204" pitchFamily="34" charset="-120"/>
                 <a:ea typeface="Microsoft JhengHei" panose="020B0604030504040204" pitchFamily="34" charset="-120"/>
               </a:rPr>
-              <a:t>喜傳福音</a:t>
-            </a:r>
-            <a:endParaRPr lang="vi-VN" sz="4800" b="1" dirty="0">
+              <a:t>我傳福音甚歡欣  常講耶穌聖道</a:t>
+            </a:r>
+            <a:endParaRPr lang="en-US" altLang="zh-CN" sz="6400" b="1" dirty="0">
+              <a:solidFill>
+                <a:srgbClr val="660033"/>
+              </a:solidFill>
+              <a:latin typeface="Microsoft JhengHei" panose="020B0604030504040204" pitchFamily="34" charset="-120"/>
               <a:ea typeface="Microsoft JhengHei" panose="020B0604030504040204" pitchFamily="34" charset="-120"/>
             </a:endParaRPr>
           </a:p>
-        </p:txBody>
-      </p:sp>
-      <p:sp>
-        <p:nvSpPr>
-          <p:cNvPr id="3" name="Content Placeholder 2"/>
-          <p:cNvSpPr>
-            <a:spLocks noGrp="1"/>
-          </p:cNvSpPr>
-          <p:nvPr>
-            <p:ph idx="1"/>
-          </p:nvPr>
-        </p:nvSpPr>
-        <p:spPr/>
-        <p:txBody>
-          <a:bodyPr>
-            <a:normAutofit/>
-          </a:bodyPr>
-          <a:lstStyle/>
           <a:p>
             <a:pPr marL="0" indent="0" algn="ctr">
               <a:buNone/>
             </a:pPr>
             <a:r>
-              <a:rPr lang="zh-CN" altLang="en-US" sz="5400" b="1" dirty="0" smtClean="0">
+              <a:rPr lang="zh-CN" altLang="en-US" sz="6400" b="1" dirty="0">
+                <a:solidFill>
+                  <a:srgbClr val="660033"/>
+                </a:solidFill>
                 <a:latin typeface="Microsoft JhengHei" panose="020B0604030504040204" pitchFamily="34" charset="-120"/>
                 <a:ea typeface="Microsoft JhengHei" panose="020B0604030504040204" pitchFamily="34" charset="-120"/>
               </a:rPr>
-              <a:t>我傳福音甚歡欣  講論耶穌救主</a:t>
-            </a:r>
-            <a:endParaRPr lang="en-US" altLang="zh-CN" sz="5400" b="1" dirty="0" smtClean="0">
+              <a:t>每逢述說此福音  更覺加部美好</a:t>
+            </a:r>
+            <a:endParaRPr lang="en-US" altLang="zh-CN" sz="6400" b="1" dirty="0">
+              <a:solidFill>
+                <a:srgbClr val="660033"/>
+              </a:solidFill>
               <a:latin typeface="Microsoft JhengHei" panose="020B0604030504040204" pitchFamily="34" charset="-120"/>
               <a:ea typeface="Microsoft JhengHei" panose="020B0604030504040204" pitchFamily="34" charset="-120"/>
             </a:endParaRPr>
           </a:p>
-          <a:p>
-            <a:pPr marL="0" indent="0" algn="ctr">
-              <a:buNone/>
-            </a:pPr>
-            <a:r>
-              <a:rPr lang="zh-CN" altLang="en-US" sz="5400" b="1" dirty="0">
-                <a:latin typeface="Microsoft JhengHei" panose="020B0604030504040204" pitchFamily="34" charset="-120"/>
-                <a:ea typeface="Microsoft JhengHei" panose="020B0604030504040204" pitchFamily="34" charset="-120"/>
-              </a:rPr>
-              <a:t>如</a:t>
-            </a:r>
-            <a:r>
-              <a:rPr lang="zh-CN" altLang="en-US" sz="5400" b="1" dirty="0" smtClean="0">
-                <a:latin typeface="Microsoft JhengHei" panose="020B0604030504040204" pitchFamily="34" charset="-120"/>
-                <a:ea typeface="Microsoft JhengHei" panose="020B0604030504040204" pitchFamily="34" charset="-120"/>
-              </a:rPr>
-              <a:t>何虛己自天降  如何在世受苦</a:t>
-            </a:r>
-            <a:endParaRPr lang="en-US" altLang="zh-CN" sz="5400" b="1" dirty="0" smtClean="0">
-              <a:latin typeface="Microsoft JhengHei" panose="020B0604030504040204" pitchFamily="34" charset="-120"/>
-              <a:ea typeface="Microsoft JhengHei" panose="020B0604030504040204" pitchFamily="34" charset="-120"/>
-            </a:endParaRPr>
-          </a:p>
-          <a:p>
-            <a:pPr marL="0" indent="0" algn="ctr">
-              <a:buNone/>
-            </a:pPr>
-            <a:r>
-              <a:rPr lang="zh-CN" altLang="en-US" sz="5400" b="1" dirty="0" smtClean="0">
-                <a:latin typeface="Microsoft JhengHei" panose="020B0604030504040204" pitchFamily="34" charset="-120"/>
-                <a:ea typeface="Microsoft JhengHei" panose="020B0604030504040204" pitchFamily="34" charset="-120"/>
-              </a:rPr>
-              <a:t>我喜宣傳主福音  深知恩道是真</a:t>
-            </a:r>
-            <a:endParaRPr lang="en-US" altLang="zh-CN" sz="5400" b="1" dirty="0" smtClean="0">
-              <a:latin typeface="Microsoft JhengHei" panose="020B0604030504040204" pitchFamily="34" charset="-120"/>
-              <a:ea typeface="Microsoft JhengHei" panose="020B0604030504040204" pitchFamily="34" charset="-120"/>
-            </a:endParaRPr>
-          </a:p>
-          <a:p>
-            <a:pPr marL="0" indent="0" algn="ctr">
-              <a:buNone/>
-            </a:pPr>
-            <a:r>
-              <a:rPr lang="zh-CN" altLang="en-US" sz="5400" b="1" dirty="0" smtClean="0">
-                <a:latin typeface="Microsoft JhengHei" panose="020B0604030504040204" pitchFamily="34" charset="-120"/>
-                <a:ea typeface="Microsoft JhengHei" panose="020B0604030504040204" pitchFamily="34" charset="-120"/>
-              </a:rPr>
-              <a:t>遠勝世上之金銀  使我快樂滿心</a:t>
-            </a:r>
-            <a:endParaRPr lang="vi-VN" sz="5400" b="1" dirty="0">
-              <a:ea typeface="Microsoft JhengHei" panose="020B0604030504040204" pitchFamily="34" charset="-120"/>
-            </a:endParaRPr>
-          </a:p>
-        </p:txBody>
-      </p:sp>
-      <p:sp>
-        <p:nvSpPr>
-          <p:cNvPr id="4" name="TextBox 3"/>
+        </p:txBody>
+      </p:sp>
+      <p:sp>
+        <p:nvSpPr>
+          <p:cNvPr id="3" name="TextBox 2"/>
           <p:cNvSpPr txBox="1"/>
           <p:nvPr/>
         </p:nvSpPr>
         <p:spPr>
           <a:xfrm>
-            <a:off x="320842" y="1600201"/>
-            <a:ext cx="914400" cy="1015663"/>
+            <a:off x="0" y="5061182"/>
+            <a:ext cx="12192000" cy="830997"/>
           </a:xfrm>
           <a:prstGeom prst="rect">
             <a:avLst/>
@@ -3251,24 +3391,881 @@
           </a:bodyPr>
           <a:lstStyle/>
           <a:p>
-            <a:r>
-              <a:rPr lang="en-US" sz="6000" b="1" dirty="0" smtClean="0"/>
-              <a:t>1.</a:t>
-            </a:r>
-            <a:endParaRPr lang="vi-VN" sz="6000" b="1" dirty="0"/>
+            <a:pPr algn="ctr"/>
+            <a:r>
+              <a:rPr lang="en-US" sz="4800" b="1" dirty="0">
+                <a:solidFill>
+                  <a:srgbClr val="660033"/>
+                </a:solidFill>
+              </a:rPr>
+              <a:t>( 3 )</a:t>
+            </a:r>
+            <a:endParaRPr lang="vi-VN" sz="4800" b="1" dirty="0">
+              <a:solidFill>
+                <a:srgbClr val="660033"/>
+              </a:solidFill>
+            </a:endParaRPr>
           </a:p>
         </p:txBody>
       </p:sp>
     </p:spTree>
     <p:extLst>
       <p:ext uri="{BB962C8B-B14F-4D97-AF65-F5344CB8AC3E}">
-        <p14:creationId xmlns:p14="http://schemas.microsoft.com/office/powerpoint/2010/main" val="4112742713"/>
+        <p14:creationId xmlns:p14="http://schemas.microsoft.com/office/powerpoint/2010/main" val="3119237136"/>
       </p:ext>
     </p:extLst>
   </p:cSld>
   <p:clrMapOvr>
     <a:masterClrMapping/>
   </p:clrMapOvr>
+  <p:timing>
+    <p:tnLst>
+      <p:par>
+        <p:cTn id="1" dur="indefinite" restart="never" nodeType="tmRoot"/>
+      </p:par>
+    </p:tnLst>
+  </p:timing>
+</p:sld>
+</file>
+
+<file path=ppt/slides/slide11.xml><?xml version="1.0" encoding="utf-8"?>
+<p:sld xmlns:a="http://schemas.openxmlformats.org/drawingml/2006/main" xmlns:r="http://schemas.openxmlformats.org/officeDocument/2006/relationships" xmlns:p="http://schemas.openxmlformats.org/presentationml/2006/main">
+  <p:cSld>
+    <p:spTree>
+      <p:nvGrpSpPr>
+        <p:cNvPr id="1" name=""/>
+        <p:cNvGrpSpPr/>
+        <p:nvPr/>
+      </p:nvGrpSpPr>
+      <p:grpSpPr>
+        <a:xfrm>
+          <a:off x="0" y="0"/>
+          <a:ext cx="0" cy="0"/>
+          <a:chOff x="0" y="0"/>
+          <a:chExt cx="0" cy="0"/>
+        </a:xfrm>
+      </p:grpSpPr>
+      <p:sp>
+        <p:nvSpPr>
+          <p:cNvPr id="5" name="內容版面配置區 4"/>
+          <p:cNvSpPr>
+            <a:spLocks noGrp="1"/>
+          </p:cNvSpPr>
+          <p:nvPr>
+            <p:ph idx="1"/>
+          </p:nvPr>
+        </p:nvSpPr>
+        <p:spPr>
+          <a:xfrm>
+            <a:off x="0" y="2084851"/>
+            <a:ext cx="12192000" cy="2404863"/>
+          </a:xfrm>
+        </p:spPr>
+        <p:txBody>
+          <a:bodyPr anchor="ctr">
+            <a:normAutofit/>
+          </a:bodyPr>
+          <a:lstStyle/>
+          <a:p>
+            <a:pPr marL="0" indent="0" algn="ctr">
+              <a:buNone/>
+            </a:pPr>
+            <a:r>
+              <a:rPr lang="zh-CN" altLang="en-US" sz="6400" b="1" dirty="0">
+                <a:solidFill>
+                  <a:srgbClr val="660033"/>
+                </a:solidFill>
+                <a:latin typeface="Microsoft JhengHei" panose="020B0604030504040204" pitchFamily="34" charset="-120"/>
+                <a:ea typeface="Microsoft JhengHei" panose="020B0604030504040204" pitchFamily="34" charset="-120"/>
+              </a:rPr>
+              <a:t>我喜宣傳主福音  多處尚未傳到</a:t>
+            </a:r>
+            <a:endParaRPr lang="en-US" altLang="zh-CN" sz="6400" b="1" dirty="0">
+              <a:solidFill>
+                <a:srgbClr val="660033"/>
+              </a:solidFill>
+              <a:latin typeface="Microsoft JhengHei" panose="020B0604030504040204" pitchFamily="34" charset="-120"/>
+              <a:ea typeface="Microsoft JhengHei" panose="020B0604030504040204" pitchFamily="34" charset="-120"/>
+            </a:endParaRPr>
+          </a:p>
+          <a:p>
+            <a:pPr marL="0" indent="0" algn="ctr">
+              <a:buNone/>
+            </a:pPr>
+            <a:r>
+              <a:rPr lang="zh-CN" altLang="en-US" sz="6400" b="1" dirty="0">
+                <a:solidFill>
+                  <a:srgbClr val="660033"/>
+                </a:solidFill>
+                <a:latin typeface="Microsoft JhengHei" panose="020B0604030504040204" pitchFamily="34" charset="-120"/>
+                <a:ea typeface="Microsoft JhengHei" panose="020B0604030504040204" pitchFamily="34" charset="-120"/>
+              </a:rPr>
+              <a:t>上帝救恩之嘉音  聖經恩言福道</a:t>
+            </a:r>
+            <a:endParaRPr lang="vi-VN" sz="6400" b="1" dirty="0">
+              <a:solidFill>
+                <a:srgbClr val="660033"/>
+              </a:solidFill>
+              <a:ea typeface="Microsoft JhengHei" panose="020B0604030504040204" pitchFamily="34" charset="-120"/>
+            </a:endParaRPr>
+          </a:p>
+        </p:txBody>
+      </p:sp>
+      <p:sp>
+        <p:nvSpPr>
+          <p:cNvPr id="3" name="TextBox 2"/>
+          <p:cNvSpPr txBox="1"/>
+          <p:nvPr/>
+        </p:nvSpPr>
+        <p:spPr>
+          <a:xfrm>
+            <a:off x="0" y="5061182"/>
+            <a:ext cx="12192000" cy="830997"/>
+          </a:xfrm>
+          <a:prstGeom prst="rect">
+            <a:avLst/>
+          </a:prstGeom>
+          <a:noFill/>
+        </p:spPr>
+        <p:txBody>
+          <a:bodyPr wrap="square" rtlCol="0">
+            <a:spAutoFit/>
+          </a:bodyPr>
+          <a:lstStyle/>
+          <a:p>
+            <a:pPr algn="ctr"/>
+            <a:r>
+              <a:rPr lang="en-US" sz="4800" b="1" dirty="0">
+                <a:solidFill>
+                  <a:srgbClr val="660033"/>
+                </a:solidFill>
+              </a:rPr>
+              <a:t>( 3 )</a:t>
+            </a:r>
+            <a:endParaRPr lang="vi-VN" sz="4800" b="1" dirty="0">
+              <a:solidFill>
+                <a:srgbClr val="660033"/>
+              </a:solidFill>
+            </a:endParaRPr>
+          </a:p>
+        </p:txBody>
+      </p:sp>
+    </p:spTree>
+    <p:extLst>
+      <p:ext uri="{BB962C8B-B14F-4D97-AF65-F5344CB8AC3E}">
+        <p14:creationId xmlns:p14="http://schemas.microsoft.com/office/powerpoint/2010/main" val="303656692"/>
+      </p:ext>
+    </p:extLst>
+  </p:cSld>
+  <p:clrMapOvr>
+    <a:masterClrMapping/>
+  </p:clrMapOvr>
+  <p:timing>
+    <p:tnLst>
+      <p:par>
+        <p:cTn id="1" dur="indefinite" restart="never" nodeType="tmRoot"/>
+      </p:par>
+    </p:tnLst>
+  </p:timing>
+</p:sld>
+</file>
+
+<file path=ppt/slides/slide12.xml><?xml version="1.0" encoding="utf-8"?>
+<p:sld xmlns:a="http://schemas.openxmlformats.org/drawingml/2006/main" xmlns:r="http://schemas.openxmlformats.org/officeDocument/2006/relationships" xmlns:p="http://schemas.openxmlformats.org/presentationml/2006/main">
+  <p:cSld>
+    <p:spTree>
+      <p:nvGrpSpPr>
+        <p:cNvPr id="1" name=""/>
+        <p:cNvGrpSpPr/>
+        <p:nvPr/>
+      </p:nvGrpSpPr>
+      <p:grpSpPr>
+        <a:xfrm>
+          <a:off x="0" y="0"/>
+          <a:ext cx="0" cy="0"/>
+          <a:chOff x="0" y="0"/>
+          <a:chExt cx="0" cy="0"/>
+        </a:xfrm>
+      </p:grpSpPr>
+      <p:sp>
+        <p:nvSpPr>
+          <p:cNvPr id="5" name="內容版面配置區 4"/>
+          <p:cNvSpPr>
+            <a:spLocks noGrp="1"/>
+          </p:cNvSpPr>
+          <p:nvPr>
+            <p:ph idx="1"/>
+          </p:nvPr>
+        </p:nvSpPr>
+        <p:spPr>
+          <a:xfrm>
+            <a:off x="0" y="2084851"/>
+            <a:ext cx="12192000" cy="2404863"/>
+          </a:xfrm>
+        </p:spPr>
+        <p:txBody>
+          <a:bodyPr anchor="ctr">
+            <a:normAutofit/>
+          </a:bodyPr>
+          <a:lstStyle/>
+          <a:p>
+            <a:pPr marL="0" indent="0" algn="ctr">
+              <a:buNone/>
+            </a:pPr>
+            <a:r>
+              <a:rPr lang="zh-CN" altLang="en-US" sz="6400" b="1" dirty="0">
+                <a:solidFill>
+                  <a:srgbClr val="660033"/>
+                </a:solidFill>
+                <a:latin typeface="Microsoft JhengHei" panose="020B0604030504040204" pitchFamily="34" charset="-120"/>
+                <a:ea typeface="Microsoft JhengHei" panose="020B0604030504040204" pitchFamily="34" charset="-120"/>
+              </a:rPr>
+              <a:t>我傳福音甚歡欣</a:t>
+            </a:r>
+            <a:endParaRPr lang="en-US" altLang="zh-CN" sz="6400" b="1" dirty="0">
+              <a:solidFill>
+                <a:srgbClr val="660033"/>
+              </a:solidFill>
+              <a:latin typeface="Microsoft JhengHei" panose="020B0604030504040204" pitchFamily="34" charset="-120"/>
+              <a:ea typeface="Microsoft JhengHei" panose="020B0604030504040204" pitchFamily="34" charset="-120"/>
+            </a:endParaRPr>
+          </a:p>
+          <a:p>
+            <a:pPr marL="0" indent="0" algn="ctr">
+              <a:buNone/>
+            </a:pPr>
+            <a:r>
+              <a:rPr lang="zh-CN" altLang="en-US" sz="6400" b="1" dirty="0">
+                <a:solidFill>
+                  <a:srgbClr val="660033"/>
+                </a:solidFill>
+                <a:latin typeface="Microsoft JhengHei" panose="020B0604030504040204" pitchFamily="34" charset="-120"/>
+                <a:ea typeface="Microsoft JhengHei" panose="020B0604030504040204" pitchFamily="34" charset="-120"/>
+              </a:rPr>
+              <a:t>在天榮耀亦揚傳</a:t>
+            </a:r>
+            <a:endParaRPr lang="en-US" altLang="zh-CN" sz="6400" b="1" dirty="0">
+              <a:solidFill>
+                <a:srgbClr val="660033"/>
+              </a:solidFill>
+              <a:latin typeface="Microsoft JhengHei" panose="020B0604030504040204" pitchFamily="34" charset="-120"/>
+              <a:ea typeface="Microsoft JhengHei" panose="020B0604030504040204" pitchFamily="34" charset="-120"/>
+            </a:endParaRPr>
+          </a:p>
+        </p:txBody>
+      </p:sp>
+    </p:spTree>
+    <p:extLst>
+      <p:ext uri="{BB962C8B-B14F-4D97-AF65-F5344CB8AC3E}">
+        <p14:creationId xmlns:p14="http://schemas.microsoft.com/office/powerpoint/2010/main" val="670144425"/>
+      </p:ext>
+    </p:extLst>
+  </p:cSld>
+  <p:clrMapOvr>
+    <a:masterClrMapping/>
+  </p:clrMapOvr>
+  <p:timing>
+    <p:tnLst>
+      <p:par>
+        <p:cTn id="1" dur="indefinite" restart="never" nodeType="tmRoot"/>
+      </p:par>
+    </p:tnLst>
+  </p:timing>
+</p:sld>
+</file>
+
+<file path=ppt/slides/slide13.xml><?xml version="1.0" encoding="utf-8"?>
+<p:sld xmlns:a="http://schemas.openxmlformats.org/drawingml/2006/main" xmlns:r="http://schemas.openxmlformats.org/officeDocument/2006/relationships" xmlns:p="http://schemas.openxmlformats.org/presentationml/2006/main">
+  <p:cSld>
+    <p:spTree>
+      <p:nvGrpSpPr>
+        <p:cNvPr id="1" name=""/>
+        <p:cNvGrpSpPr/>
+        <p:nvPr/>
+      </p:nvGrpSpPr>
+      <p:grpSpPr>
+        <a:xfrm>
+          <a:off x="0" y="0"/>
+          <a:ext cx="0" cy="0"/>
+          <a:chOff x="0" y="0"/>
+          <a:chExt cx="0" cy="0"/>
+        </a:xfrm>
+      </p:grpSpPr>
+      <p:sp>
+        <p:nvSpPr>
+          <p:cNvPr id="5" name="內容版面配置區 4"/>
+          <p:cNvSpPr>
+            <a:spLocks noGrp="1"/>
+          </p:cNvSpPr>
+          <p:nvPr>
+            <p:ph idx="1"/>
+          </p:nvPr>
+        </p:nvSpPr>
+        <p:spPr>
+          <a:xfrm>
+            <a:off x="0" y="2084851"/>
+            <a:ext cx="12192000" cy="2404863"/>
+          </a:xfrm>
+        </p:spPr>
+        <p:txBody>
+          <a:bodyPr anchor="ctr">
+            <a:normAutofit/>
+          </a:bodyPr>
+          <a:lstStyle/>
+          <a:p>
+            <a:pPr marL="0" indent="0" algn="ctr">
+              <a:buNone/>
+            </a:pPr>
+            <a:r>
+              <a:rPr lang="zh-CN" altLang="en-US" sz="6400" b="1" dirty="0">
+                <a:solidFill>
+                  <a:srgbClr val="660033"/>
+                </a:solidFill>
+                <a:latin typeface="Microsoft JhengHei" panose="020B0604030504040204" pitchFamily="34" charset="-120"/>
+                <a:ea typeface="Microsoft JhengHei" panose="020B0604030504040204" pitchFamily="34" charset="-120"/>
+              </a:rPr>
+              <a:t>顯明舊日之福音</a:t>
+            </a:r>
+            <a:endParaRPr lang="en-US" altLang="zh-CN" sz="6400" b="1" dirty="0">
+              <a:solidFill>
+                <a:srgbClr val="660033"/>
+              </a:solidFill>
+              <a:latin typeface="Microsoft JhengHei" panose="020B0604030504040204" pitchFamily="34" charset="-120"/>
+              <a:ea typeface="Microsoft JhengHei" panose="020B0604030504040204" pitchFamily="34" charset="-120"/>
+            </a:endParaRPr>
+          </a:p>
+          <a:p>
+            <a:pPr marL="0" indent="0" algn="ctr">
+              <a:buNone/>
+            </a:pPr>
+            <a:r>
+              <a:rPr lang="zh-CN" altLang="en-US" sz="6400" b="1" dirty="0">
+                <a:solidFill>
+                  <a:srgbClr val="660033"/>
+                </a:solidFill>
+                <a:latin typeface="Microsoft JhengHei" panose="020B0604030504040204" pitchFamily="34" charset="-120"/>
+                <a:ea typeface="Microsoft JhengHei" panose="020B0604030504040204" pitchFamily="34" charset="-120"/>
+              </a:rPr>
+              <a:t>耶穌仁愛永存</a:t>
+            </a:r>
+            <a:endParaRPr lang="vi-VN" sz="6400" b="1" dirty="0">
+              <a:solidFill>
+                <a:srgbClr val="660033"/>
+              </a:solidFill>
+              <a:ea typeface="Microsoft JhengHei" panose="020B0604030504040204" pitchFamily="34" charset="-120"/>
+            </a:endParaRPr>
+          </a:p>
+        </p:txBody>
+      </p:sp>
+    </p:spTree>
+    <p:extLst>
+      <p:ext uri="{BB962C8B-B14F-4D97-AF65-F5344CB8AC3E}">
+        <p14:creationId xmlns:p14="http://schemas.microsoft.com/office/powerpoint/2010/main" val="1842111569"/>
+      </p:ext>
+    </p:extLst>
+  </p:cSld>
+  <p:clrMapOvr>
+    <a:masterClrMapping/>
+  </p:clrMapOvr>
+  <p:timing>
+    <p:tnLst>
+      <p:par>
+        <p:cTn id="1" dur="indefinite" restart="never" nodeType="tmRoot"/>
+      </p:par>
+    </p:tnLst>
+  </p:timing>
+</p:sld>
+</file>
+
+<file path=ppt/slides/slide14.xml><?xml version="1.0" encoding="utf-8"?>
+<p:sld xmlns:a="http://schemas.openxmlformats.org/drawingml/2006/main" xmlns:r="http://schemas.openxmlformats.org/officeDocument/2006/relationships" xmlns:p="http://schemas.openxmlformats.org/presentationml/2006/main">
+  <p:cSld>
+    <p:spTree>
+      <p:nvGrpSpPr>
+        <p:cNvPr id="1" name=""/>
+        <p:cNvGrpSpPr/>
+        <p:nvPr/>
+      </p:nvGrpSpPr>
+      <p:grpSpPr>
+        <a:xfrm>
+          <a:off x="0" y="0"/>
+          <a:ext cx="0" cy="0"/>
+          <a:chOff x="0" y="0"/>
+          <a:chExt cx="0" cy="0"/>
+        </a:xfrm>
+      </p:grpSpPr>
+      <p:sp>
+        <p:nvSpPr>
+          <p:cNvPr id="5" name="內容版面配置區 4"/>
+          <p:cNvSpPr>
+            <a:spLocks noGrp="1"/>
+          </p:cNvSpPr>
+          <p:nvPr>
+            <p:ph idx="1"/>
+          </p:nvPr>
+        </p:nvSpPr>
+        <p:spPr>
+          <a:xfrm>
+            <a:off x="0" y="2084851"/>
+            <a:ext cx="12192000" cy="2404863"/>
+          </a:xfrm>
+        </p:spPr>
+        <p:txBody>
+          <a:bodyPr anchor="ctr">
+            <a:normAutofit/>
+          </a:bodyPr>
+          <a:lstStyle/>
+          <a:p>
+            <a:pPr marL="0" indent="0" algn="ctr">
+              <a:buNone/>
+            </a:pPr>
+            <a:r>
+              <a:rPr lang="zh-CN" altLang="en-US" sz="6400" b="1" dirty="0">
+                <a:solidFill>
+                  <a:srgbClr val="660033"/>
+                </a:solidFill>
+                <a:latin typeface="Microsoft JhengHei" panose="020B0604030504040204" pitchFamily="34" charset="-120"/>
+                <a:ea typeface="Microsoft JhengHei" panose="020B0604030504040204" pitchFamily="34" charset="-120"/>
+              </a:rPr>
+              <a:t>我傳福音甚歡欣  人雖熟聽能記</a:t>
+            </a:r>
+            <a:endParaRPr lang="en-US" altLang="zh-CN" sz="6400" b="1" dirty="0">
+              <a:solidFill>
+                <a:srgbClr val="660033"/>
+              </a:solidFill>
+              <a:latin typeface="Microsoft JhengHei" panose="020B0604030504040204" pitchFamily="34" charset="-120"/>
+              <a:ea typeface="Microsoft JhengHei" panose="020B0604030504040204" pitchFamily="34" charset="-120"/>
+            </a:endParaRPr>
+          </a:p>
+          <a:p>
+            <a:pPr marL="0" indent="0" algn="ctr">
+              <a:buNone/>
+            </a:pPr>
+            <a:r>
+              <a:rPr lang="zh-CN" altLang="en-US" sz="6400" b="1" dirty="0">
+                <a:solidFill>
+                  <a:srgbClr val="660033"/>
+                </a:solidFill>
+                <a:latin typeface="Microsoft JhengHei" panose="020B0604030504040204" pitchFamily="34" charset="-120"/>
+                <a:ea typeface="Microsoft JhengHei" panose="020B0604030504040204" pitchFamily="34" charset="-120"/>
+              </a:rPr>
+              <a:t>因為思慕如飢渴  再聽仍不足意</a:t>
+            </a:r>
+            <a:endParaRPr lang="en-US" altLang="zh-CN" sz="6400" b="1" dirty="0">
+              <a:solidFill>
+                <a:srgbClr val="660033"/>
+              </a:solidFill>
+              <a:latin typeface="Microsoft JhengHei" panose="020B0604030504040204" pitchFamily="34" charset="-120"/>
+              <a:ea typeface="Microsoft JhengHei" panose="020B0604030504040204" pitchFamily="34" charset="-120"/>
+            </a:endParaRPr>
+          </a:p>
+        </p:txBody>
+      </p:sp>
+      <p:sp>
+        <p:nvSpPr>
+          <p:cNvPr id="3" name="TextBox 2"/>
+          <p:cNvSpPr txBox="1"/>
+          <p:nvPr/>
+        </p:nvSpPr>
+        <p:spPr>
+          <a:xfrm>
+            <a:off x="0" y="5061182"/>
+            <a:ext cx="12192000" cy="830997"/>
+          </a:xfrm>
+          <a:prstGeom prst="rect">
+            <a:avLst/>
+          </a:prstGeom>
+          <a:noFill/>
+        </p:spPr>
+        <p:txBody>
+          <a:bodyPr wrap="square" rtlCol="0">
+            <a:spAutoFit/>
+          </a:bodyPr>
+          <a:lstStyle/>
+          <a:p>
+            <a:pPr algn="ctr"/>
+            <a:r>
+              <a:rPr lang="en-US" sz="4800" b="1" dirty="0">
+                <a:solidFill>
+                  <a:srgbClr val="660033"/>
+                </a:solidFill>
+              </a:rPr>
+              <a:t>( 4 )</a:t>
+            </a:r>
+            <a:endParaRPr lang="vi-VN" sz="4800" b="1" dirty="0">
+              <a:solidFill>
+                <a:srgbClr val="660033"/>
+              </a:solidFill>
+            </a:endParaRPr>
+          </a:p>
+        </p:txBody>
+      </p:sp>
+    </p:spTree>
+    <p:extLst>
+      <p:ext uri="{BB962C8B-B14F-4D97-AF65-F5344CB8AC3E}">
+        <p14:creationId xmlns:p14="http://schemas.microsoft.com/office/powerpoint/2010/main" val="679469501"/>
+      </p:ext>
+    </p:extLst>
+  </p:cSld>
+  <p:clrMapOvr>
+    <a:masterClrMapping/>
+  </p:clrMapOvr>
+  <p:timing>
+    <p:tnLst>
+      <p:par>
+        <p:cTn id="1" dur="indefinite" restart="never" nodeType="tmRoot"/>
+      </p:par>
+    </p:tnLst>
+  </p:timing>
+</p:sld>
+</file>
+
+<file path=ppt/slides/slide15.xml><?xml version="1.0" encoding="utf-8"?>
+<p:sld xmlns:a="http://schemas.openxmlformats.org/drawingml/2006/main" xmlns:r="http://schemas.openxmlformats.org/officeDocument/2006/relationships" xmlns:p="http://schemas.openxmlformats.org/presentationml/2006/main">
+  <p:cSld>
+    <p:spTree>
+      <p:nvGrpSpPr>
+        <p:cNvPr id="1" name=""/>
+        <p:cNvGrpSpPr/>
+        <p:nvPr/>
+      </p:nvGrpSpPr>
+      <p:grpSpPr>
+        <a:xfrm>
+          <a:off x="0" y="0"/>
+          <a:ext cx="0" cy="0"/>
+          <a:chOff x="0" y="0"/>
+          <a:chExt cx="0" cy="0"/>
+        </a:xfrm>
+      </p:grpSpPr>
+      <p:sp>
+        <p:nvSpPr>
+          <p:cNvPr id="5" name="內容版面配置區 4"/>
+          <p:cNvSpPr>
+            <a:spLocks noGrp="1"/>
+          </p:cNvSpPr>
+          <p:nvPr>
+            <p:ph idx="1"/>
+          </p:nvPr>
+        </p:nvSpPr>
+        <p:spPr>
+          <a:xfrm>
+            <a:off x="0" y="2084851"/>
+            <a:ext cx="12192000" cy="2404863"/>
+          </a:xfrm>
+        </p:spPr>
+        <p:txBody>
+          <a:bodyPr anchor="ctr">
+            <a:normAutofit/>
+          </a:bodyPr>
+          <a:lstStyle/>
+          <a:p>
+            <a:pPr marL="0" indent="0" algn="ctr">
+              <a:buNone/>
+            </a:pPr>
+            <a:r>
+              <a:rPr lang="zh-CN" altLang="en-US" sz="6400" b="1" dirty="0">
+                <a:solidFill>
+                  <a:srgbClr val="660033"/>
+                </a:solidFill>
+                <a:latin typeface="Microsoft JhengHei" panose="020B0604030504040204" pitchFamily="34" charset="-120"/>
+                <a:ea typeface="Microsoft JhengHei" panose="020B0604030504040204" pitchFamily="34" charset="-120"/>
+              </a:rPr>
+              <a:t>等至榮耀之福地  樂唱新歌歡喜</a:t>
+            </a:r>
+            <a:endParaRPr lang="en-US" altLang="zh-CN" sz="6400" b="1" dirty="0">
+              <a:solidFill>
+                <a:srgbClr val="660033"/>
+              </a:solidFill>
+              <a:latin typeface="Microsoft JhengHei" panose="020B0604030504040204" pitchFamily="34" charset="-120"/>
+              <a:ea typeface="Microsoft JhengHei" panose="020B0604030504040204" pitchFamily="34" charset="-120"/>
+            </a:endParaRPr>
+          </a:p>
+          <a:p>
+            <a:pPr marL="0" indent="0" algn="ctr">
+              <a:buNone/>
+            </a:pPr>
+            <a:r>
+              <a:rPr lang="zh-CN" altLang="en-US" sz="6400" b="1" dirty="0">
+                <a:solidFill>
+                  <a:srgbClr val="660033"/>
+                </a:solidFill>
+                <a:latin typeface="Microsoft JhengHei" panose="020B0604030504040204" pitchFamily="34" charset="-120"/>
+                <a:ea typeface="Microsoft JhengHei" panose="020B0604030504040204" pitchFamily="34" charset="-120"/>
+              </a:rPr>
+              <a:t>仍是舊日之福音  乃我愛慕久矣</a:t>
+            </a:r>
+            <a:endParaRPr lang="vi-VN" sz="6400" b="1" dirty="0">
+              <a:solidFill>
+                <a:srgbClr val="660033"/>
+              </a:solidFill>
+              <a:ea typeface="Microsoft JhengHei" panose="020B0604030504040204" pitchFamily="34" charset="-120"/>
+            </a:endParaRPr>
+          </a:p>
+        </p:txBody>
+      </p:sp>
+      <p:sp>
+        <p:nvSpPr>
+          <p:cNvPr id="3" name="TextBox 2"/>
+          <p:cNvSpPr txBox="1"/>
+          <p:nvPr/>
+        </p:nvSpPr>
+        <p:spPr>
+          <a:xfrm>
+            <a:off x="0" y="5061182"/>
+            <a:ext cx="12192000" cy="830997"/>
+          </a:xfrm>
+          <a:prstGeom prst="rect">
+            <a:avLst/>
+          </a:prstGeom>
+          <a:noFill/>
+        </p:spPr>
+        <p:txBody>
+          <a:bodyPr wrap="square" rtlCol="0">
+            <a:spAutoFit/>
+          </a:bodyPr>
+          <a:lstStyle/>
+          <a:p>
+            <a:pPr algn="ctr"/>
+            <a:r>
+              <a:rPr lang="en-US" sz="4800" b="1" dirty="0">
+                <a:solidFill>
+                  <a:srgbClr val="660033"/>
+                </a:solidFill>
+              </a:rPr>
+              <a:t>( 4 )</a:t>
+            </a:r>
+            <a:endParaRPr lang="vi-VN" sz="4800" b="1" dirty="0">
+              <a:solidFill>
+                <a:srgbClr val="660033"/>
+              </a:solidFill>
+            </a:endParaRPr>
+          </a:p>
+        </p:txBody>
+      </p:sp>
+    </p:spTree>
+    <p:extLst>
+      <p:ext uri="{BB962C8B-B14F-4D97-AF65-F5344CB8AC3E}">
+        <p14:creationId xmlns:p14="http://schemas.microsoft.com/office/powerpoint/2010/main" val="4171524870"/>
+      </p:ext>
+    </p:extLst>
+  </p:cSld>
+  <p:clrMapOvr>
+    <a:masterClrMapping/>
+  </p:clrMapOvr>
+  <p:timing>
+    <p:tnLst>
+      <p:par>
+        <p:cTn id="1" dur="indefinite" restart="never" nodeType="tmRoot"/>
+      </p:par>
+    </p:tnLst>
+  </p:timing>
+</p:sld>
+</file>
+
+<file path=ppt/slides/slide16.xml><?xml version="1.0" encoding="utf-8"?>
+<p:sld xmlns:a="http://schemas.openxmlformats.org/drawingml/2006/main" xmlns:r="http://schemas.openxmlformats.org/officeDocument/2006/relationships" xmlns:p="http://schemas.openxmlformats.org/presentationml/2006/main">
+  <p:cSld>
+    <p:spTree>
+      <p:nvGrpSpPr>
+        <p:cNvPr id="1" name=""/>
+        <p:cNvGrpSpPr/>
+        <p:nvPr/>
+      </p:nvGrpSpPr>
+      <p:grpSpPr>
+        <a:xfrm>
+          <a:off x="0" y="0"/>
+          <a:ext cx="0" cy="0"/>
+          <a:chOff x="0" y="0"/>
+          <a:chExt cx="0" cy="0"/>
+        </a:xfrm>
+      </p:grpSpPr>
+      <p:sp>
+        <p:nvSpPr>
+          <p:cNvPr id="5" name="內容版面配置區 4"/>
+          <p:cNvSpPr>
+            <a:spLocks noGrp="1"/>
+          </p:cNvSpPr>
+          <p:nvPr>
+            <p:ph idx="1"/>
+          </p:nvPr>
+        </p:nvSpPr>
+        <p:spPr>
+          <a:xfrm>
+            <a:off x="0" y="2084851"/>
+            <a:ext cx="12192000" cy="2404863"/>
+          </a:xfrm>
+        </p:spPr>
+        <p:txBody>
+          <a:bodyPr anchor="ctr">
+            <a:normAutofit/>
+          </a:bodyPr>
+          <a:lstStyle/>
+          <a:p>
+            <a:pPr marL="0" indent="0" algn="ctr">
+              <a:buNone/>
+            </a:pPr>
+            <a:r>
+              <a:rPr lang="zh-CN" altLang="en-US" sz="6400" b="1" dirty="0">
+                <a:solidFill>
+                  <a:srgbClr val="660033"/>
+                </a:solidFill>
+                <a:latin typeface="Microsoft JhengHei" panose="020B0604030504040204" pitchFamily="34" charset="-120"/>
+                <a:ea typeface="Microsoft JhengHei" panose="020B0604030504040204" pitchFamily="34" charset="-120"/>
+              </a:rPr>
+              <a:t>我傳福音甚歡欣</a:t>
+            </a:r>
+            <a:endParaRPr lang="en-US" altLang="zh-CN" sz="6400" b="1" dirty="0">
+              <a:solidFill>
+                <a:srgbClr val="660033"/>
+              </a:solidFill>
+              <a:latin typeface="Microsoft JhengHei" panose="020B0604030504040204" pitchFamily="34" charset="-120"/>
+              <a:ea typeface="Microsoft JhengHei" panose="020B0604030504040204" pitchFamily="34" charset="-120"/>
+            </a:endParaRPr>
+          </a:p>
+          <a:p>
+            <a:pPr marL="0" indent="0" algn="ctr">
+              <a:buNone/>
+            </a:pPr>
+            <a:r>
+              <a:rPr lang="zh-CN" altLang="en-US" sz="6400" b="1" dirty="0">
+                <a:solidFill>
+                  <a:srgbClr val="660033"/>
+                </a:solidFill>
+                <a:latin typeface="Microsoft JhengHei" panose="020B0604030504040204" pitchFamily="34" charset="-120"/>
+                <a:ea typeface="Microsoft JhengHei" panose="020B0604030504040204" pitchFamily="34" charset="-120"/>
+              </a:rPr>
+              <a:t>在天榮耀亦揚傳</a:t>
+            </a:r>
+            <a:endParaRPr lang="en-US" altLang="zh-CN" sz="6400" b="1" dirty="0">
+              <a:solidFill>
+                <a:srgbClr val="660033"/>
+              </a:solidFill>
+              <a:latin typeface="Microsoft JhengHei" panose="020B0604030504040204" pitchFamily="34" charset="-120"/>
+              <a:ea typeface="Microsoft JhengHei" panose="020B0604030504040204" pitchFamily="34" charset="-120"/>
+            </a:endParaRPr>
+          </a:p>
+        </p:txBody>
+      </p:sp>
+    </p:spTree>
+    <p:extLst>
+      <p:ext uri="{BB962C8B-B14F-4D97-AF65-F5344CB8AC3E}">
+        <p14:creationId xmlns:p14="http://schemas.microsoft.com/office/powerpoint/2010/main" val="985322256"/>
+      </p:ext>
+    </p:extLst>
+  </p:cSld>
+  <p:clrMapOvr>
+    <a:masterClrMapping/>
+  </p:clrMapOvr>
+  <p:timing>
+    <p:tnLst>
+      <p:par>
+        <p:cTn id="1" dur="indefinite" restart="never" nodeType="tmRoot"/>
+      </p:par>
+    </p:tnLst>
+  </p:timing>
+</p:sld>
+</file>
+
+<file path=ppt/slides/slide17.xml><?xml version="1.0" encoding="utf-8"?>
+<p:sld xmlns:a="http://schemas.openxmlformats.org/drawingml/2006/main" xmlns:r="http://schemas.openxmlformats.org/officeDocument/2006/relationships" xmlns:p="http://schemas.openxmlformats.org/presentationml/2006/main">
+  <p:cSld>
+    <p:spTree>
+      <p:nvGrpSpPr>
+        <p:cNvPr id="1" name=""/>
+        <p:cNvGrpSpPr/>
+        <p:nvPr/>
+      </p:nvGrpSpPr>
+      <p:grpSpPr>
+        <a:xfrm>
+          <a:off x="0" y="0"/>
+          <a:ext cx="0" cy="0"/>
+          <a:chOff x="0" y="0"/>
+          <a:chExt cx="0" cy="0"/>
+        </a:xfrm>
+      </p:grpSpPr>
+      <p:sp>
+        <p:nvSpPr>
+          <p:cNvPr id="5" name="內容版面配置區 4"/>
+          <p:cNvSpPr>
+            <a:spLocks noGrp="1"/>
+          </p:cNvSpPr>
+          <p:nvPr>
+            <p:ph idx="1"/>
+          </p:nvPr>
+        </p:nvSpPr>
+        <p:spPr>
+          <a:xfrm>
+            <a:off x="0" y="2084851"/>
+            <a:ext cx="12192000" cy="2404863"/>
+          </a:xfrm>
+        </p:spPr>
+        <p:txBody>
+          <a:bodyPr anchor="ctr">
+            <a:normAutofit/>
+          </a:bodyPr>
+          <a:lstStyle/>
+          <a:p>
+            <a:pPr marL="0" indent="0" algn="ctr">
+              <a:buNone/>
+            </a:pPr>
+            <a:r>
+              <a:rPr lang="zh-CN" altLang="en-US" sz="6400" b="1" dirty="0">
+                <a:solidFill>
+                  <a:srgbClr val="660033"/>
+                </a:solidFill>
+                <a:latin typeface="Microsoft JhengHei" panose="020B0604030504040204" pitchFamily="34" charset="-120"/>
+                <a:ea typeface="Microsoft JhengHei" panose="020B0604030504040204" pitchFamily="34" charset="-120"/>
+              </a:rPr>
+              <a:t>顯明舊日之福音</a:t>
+            </a:r>
+            <a:endParaRPr lang="en-US" altLang="zh-CN" sz="6400" b="1" dirty="0">
+              <a:solidFill>
+                <a:srgbClr val="660033"/>
+              </a:solidFill>
+              <a:latin typeface="Microsoft JhengHei" panose="020B0604030504040204" pitchFamily="34" charset="-120"/>
+              <a:ea typeface="Microsoft JhengHei" panose="020B0604030504040204" pitchFamily="34" charset="-120"/>
+            </a:endParaRPr>
+          </a:p>
+          <a:p>
+            <a:pPr marL="0" indent="0" algn="ctr">
+              <a:buNone/>
+            </a:pPr>
+            <a:r>
+              <a:rPr lang="zh-CN" altLang="en-US" sz="6400" b="1" dirty="0">
+                <a:solidFill>
+                  <a:srgbClr val="660033"/>
+                </a:solidFill>
+                <a:latin typeface="Microsoft JhengHei" panose="020B0604030504040204" pitchFamily="34" charset="-120"/>
+                <a:ea typeface="Microsoft JhengHei" panose="020B0604030504040204" pitchFamily="34" charset="-120"/>
+              </a:rPr>
+              <a:t>耶穌仁愛永存</a:t>
+            </a:r>
+            <a:endParaRPr lang="vi-VN" sz="6400" b="1" dirty="0">
+              <a:solidFill>
+                <a:srgbClr val="660033"/>
+              </a:solidFill>
+              <a:ea typeface="Microsoft JhengHei" panose="020B0604030504040204" pitchFamily="34" charset="-120"/>
+            </a:endParaRPr>
+          </a:p>
+        </p:txBody>
+      </p:sp>
+    </p:spTree>
+    <p:extLst>
+      <p:ext uri="{BB962C8B-B14F-4D97-AF65-F5344CB8AC3E}">
+        <p14:creationId xmlns:p14="http://schemas.microsoft.com/office/powerpoint/2010/main" val="2016284893"/>
+      </p:ext>
+    </p:extLst>
+  </p:cSld>
+  <p:clrMapOvr>
+    <a:masterClrMapping/>
+  </p:clrMapOvr>
+  <p:timing>
+    <p:tnLst>
+      <p:par>
+        <p:cTn id="1" dur="indefinite" restart="never" nodeType="tmRoot"/>
+      </p:par>
+    </p:tnLst>
+  </p:timing>
 </p:sld>
 </file>
 
@@ -3291,132 +4288,106 @@
       </p:grpSpPr>
       <p:sp>
         <p:nvSpPr>
-          <p:cNvPr id="2" name="Title 1"/>
-          <p:cNvSpPr>
-            <a:spLocks noGrp="1"/>
-          </p:cNvSpPr>
-          <p:nvPr>
-            <p:ph type="title"/>
-          </p:nvPr>
-        </p:nvSpPr>
-        <p:spPr/>
-        <p:txBody>
-          <a:bodyPr>
+          <p:cNvPr id="5" name="內容版面配置區 4"/>
+          <p:cNvSpPr>
+            <a:spLocks noGrp="1"/>
+          </p:cNvSpPr>
+          <p:nvPr>
+            <p:ph idx="1"/>
+          </p:nvPr>
+        </p:nvSpPr>
+        <p:spPr>
+          <a:xfrm>
+            <a:off x="0" y="2084851"/>
+            <a:ext cx="12192000" cy="2404863"/>
+          </a:xfrm>
+        </p:spPr>
+        <p:txBody>
+          <a:bodyPr anchor="ctr">
             <a:normAutofit/>
           </a:bodyPr>
           <a:lstStyle/>
           <a:p>
-            <a:r>
-              <a:rPr lang="zh-CN" altLang="en-US" sz="4800" b="1" dirty="0" smtClean="0">
+            <a:pPr marL="0" indent="0" algn="ctr">
+              <a:buNone/>
+            </a:pPr>
+            <a:r>
+              <a:rPr lang="zh-CN" altLang="en-US" sz="6400" b="1" dirty="0">
+                <a:solidFill>
+                  <a:srgbClr val="660033"/>
+                </a:solidFill>
                 <a:latin typeface="Microsoft JhengHei" panose="020B0604030504040204" pitchFamily="34" charset="-120"/>
                 <a:ea typeface="Microsoft JhengHei" panose="020B0604030504040204" pitchFamily="34" charset="-120"/>
               </a:rPr>
-              <a:t>喜傳福音</a:t>
-            </a:r>
-            <a:endParaRPr lang="vi-VN" sz="4800" b="1" dirty="0">
+              <a:t>我傳福音甚歡欣  講論耶穌救主</a:t>
+            </a:r>
+            <a:endParaRPr lang="en-US" altLang="zh-CN" sz="6400" b="1" dirty="0">
+              <a:solidFill>
+                <a:srgbClr val="660033"/>
+              </a:solidFill>
+              <a:latin typeface="Microsoft JhengHei" panose="020B0604030504040204" pitchFamily="34" charset="-120"/>
               <a:ea typeface="Microsoft JhengHei" panose="020B0604030504040204" pitchFamily="34" charset="-120"/>
             </a:endParaRPr>
           </a:p>
-        </p:txBody>
-      </p:sp>
-      <p:sp>
-        <p:nvSpPr>
-          <p:cNvPr id="3" name="Content Placeholder 2"/>
-          <p:cNvSpPr>
-            <a:spLocks noGrp="1"/>
-          </p:cNvSpPr>
-          <p:nvPr>
-            <p:ph idx="1"/>
-          </p:nvPr>
-        </p:nvSpPr>
-        <p:spPr/>
-        <p:txBody>
-          <a:bodyPr>
-            <a:normAutofit/>
-          </a:bodyPr>
-          <a:lstStyle/>
           <a:p>
             <a:pPr marL="0" indent="0" algn="ctr">
               <a:buNone/>
             </a:pPr>
             <a:r>
-              <a:rPr lang="zh-CN" altLang="en-US" sz="5400" b="1" dirty="0" smtClean="0">
+              <a:rPr lang="zh-CN" altLang="en-US" sz="6400" b="1" dirty="0">
+                <a:solidFill>
+                  <a:srgbClr val="660033"/>
+                </a:solidFill>
                 <a:latin typeface="Microsoft JhengHei" panose="020B0604030504040204" pitchFamily="34" charset="-120"/>
                 <a:ea typeface="Microsoft JhengHei" panose="020B0604030504040204" pitchFamily="34" charset="-120"/>
               </a:rPr>
-              <a:t>我傳福音甚歡欣</a:t>
-            </a:r>
-            <a:endParaRPr lang="en-US" altLang="zh-CN" sz="5400" b="1" dirty="0" smtClean="0">
+              <a:t>如何虛己自天降  如何在世受苦</a:t>
+            </a:r>
+            <a:endParaRPr lang="en-US" altLang="zh-CN" sz="6400" b="1" dirty="0">
+              <a:solidFill>
+                <a:srgbClr val="660033"/>
+              </a:solidFill>
               <a:latin typeface="Microsoft JhengHei" panose="020B0604030504040204" pitchFamily="34" charset="-120"/>
               <a:ea typeface="Microsoft JhengHei" panose="020B0604030504040204" pitchFamily="34" charset="-120"/>
             </a:endParaRPr>
           </a:p>
-          <a:p>
-            <a:pPr marL="0" indent="0" algn="ctr">
-              <a:buNone/>
-            </a:pPr>
-            <a:r>
-              <a:rPr lang="zh-CN" altLang="en-US" sz="5400" b="1" dirty="0">
-                <a:latin typeface="Microsoft JhengHei" panose="020B0604030504040204" pitchFamily="34" charset="-120"/>
-                <a:ea typeface="Microsoft JhengHei" panose="020B0604030504040204" pitchFamily="34" charset="-120"/>
+        </p:txBody>
+      </p:sp>
+      <p:sp>
+        <p:nvSpPr>
+          <p:cNvPr id="3" name="TextBox 2"/>
+          <p:cNvSpPr txBox="1"/>
+          <p:nvPr/>
+        </p:nvSpPr>
+        <p:spPr>
+          <a:xfrm>
+            <a:off x="0" y="5061182"/>
+            <a:ext cx="12192000" cy="830997"/>
+          </a:xfrm>
+          <a:prstGeom prst="rect">
+            <a:avLst/>
+          </a:prstGeom>
+          <a:noFill/>
+        </p:spPr>
+        <p:txBody>
+          <a:bodyPr wrap="square" rtlCol="0">
+            <a:spAutoFit/>
+          </a:bodyPr>
+          <a:lstStyle/>
+          <a:p>
+            <a:pPr algn="ctr"/>
+            <a:r>
+              <a:rPr lang="en-US" sz="4800" b="1" dirty="0">
+                <a:solidFill>
+                  <a:srgbClr val="660033"/>
+                </a:solidFill>
               </a:rPr>
-              <a:t>在</a:t>
-            </a:r>
-            <a:r>
-              <a:rPr lang="zh-CN" altLang="en-US" sz="5400" b="1" dirty="0" smtClean="0">
-                <a:latin typeface="Microsoft JhengHei" panose="020B0604030504040204" pitchFamily="34" charset="-120"/>
-                <a:ea typeface="Microsoft JhengHei" panose="020B0604030504040204" pitchFamily="34" charset="-120"/>
-              </a:rPr>
-              <a:t>天榮耀亦揚傳</a:t>
-            </a:r>
-            <a:endParaRPr lang="en-US" altLang="zh-CN" sz="5400" b="1" dirty="0" smtClean="0">
-              <a:latin typeface="Microsoft JhengHei" panose="020B0604030504040204" pitchFamily="34" charset="-120"/>
-              <a:ea typeface="Microsoft JhengHei" panose="020B0604030504040204" pitchFamily="34" charset="-120"/>
-            </a:endParaRPr>
-          </a:p>
-          <a:p>
-            <a:pPr marL="0" indent="0" algn="ctr">
-              <a:buNone/>
-            </a:pPr>
-            <a:r>
-              <a:rPr lang="zh-CN" altLang="en-US" sz="5400" b="1" dirty="0">
-                <a:latin typeface="Microsoft JhengHei" panose="020B0604030504040204" pitchFamily="34" charset="-120"/>
-                <a:ea typeface="Microsoft JhengHei" panose="020B0604030504040204" pitchFamily="34" charset="-120"/>
-              </a:rPr>
-              <a:t>顯</a:t>
-            </a:r>
-            <a:r>
-              <a:rPr lang="zh-CN" altLang="en-US" sz="5400" b="1" dirty="0" smtClean="0">
-                <a:latin typeface="Microsoft JhengHei" panose="020B0604030504040204" pitchFamily="34" charset="-120"/>
-                <a:ea typeface="Microsoft JhengHei" panose="020B0604030504040204" pitchFamily="34" charset="-120"/>
-              </a:rPr>
-              <a:t>明舊日之福音</a:t>
-            </a:r>
-            <a:endParaRPr lang="en-US" altLang="zh-CN" sz="5400" b="1" dirty="0" smtClean="0">
-              <a:latin typeface="Microsoft JhengHei" panose="020B0604030504040204" pitchFamily="34" charset="-120"/>
-              <a:ea typeface="Microsoft JhengHei" panose="020B0604030504040204" pitchFamily="34" charset="-120"/>
-            </a:endParaRPr>
-          </a:p>
-          <a:p>
-            <a:pPr marL="0" indent="0" algn="ctr">
-              <a:buNone/>
-            </a:pPr>
-            <a:r>
-              <a:rPr lang="zh-CN" altLang="en-US" sz="5400" b="1" dirty="0">
-                <a:latin typeface="Microsoft JhengHei" panose="020B0604030504040204" pitchFamily="34" charset="-120"/>
-                <a:ea typeface="Microsoft JhengHei" panose="020B0604030504040204" pitchFamily="34" charset="-120"/>
-              </a:rPr>
-              <a:t>耶</a:t>
-            </a:r>
-            <a:r>
-              <a:rPr lang="zh-CN" altLang="en-US" sz="5400" b="1" dirty="0" smtClean="0">
-                <a:latin typeface="Microsoft JhengHei" panose="020B0604030504040204" pitchFamily="34" charset="-120"/>
-                <a:ea typeface="Microsoft JhengHei" panose="020B0604030504040204" pitchFamily="34" charset="-120"/>
-              </a:rPr>
-              <a:t>穌仁愛永存</a:t>
-            </a:r>
-            <a:endParaRPr lang="vi-VN" sz="5400" b="1" dirty="0">
-              <a:ea typeface="Microsoft JhengHei" panose="020B0604030504040204" pitchFamily="34" charset="-120"/>
+              <a:t>( 1 )</a:t>
+            </a:r>
+            <a:endParaRPr lang="vi-VN" sz="4800" b="1" dirty="0">
+              <a:solidFill>
+                <a:srgbClr val="660033"/>
+              </a:solidFill>
             </a:endParaRPr>
           </a:p>
         </p:txBody>
@@ -3424,13 +4395,20 @@
     </p:spTree>
     <p:extLst>
       <p:ext uri="{BB962C8B-B14F-4D97-AF65-F5344CB8AC3E}">
-        <p14:creationId xmlns:p14="http://schemas.microsoft.com/office/powerpoint/2010/main" val="903434861"/>
+        <p14:creationId xmlns:p14="http://schemas.microsoft.com/office/powerpoint/2010/main" val="3935085168"/>
       </p:ext>
     </p:extLst>
   </p:cSld>
   <p:clrMapOvr>
     <a:masterClrMapping/>
   </p:clrMapOvr>
+  <p:timing>
+    <p:tnLst>
+      <p:par>
+        <p:cTn id="1" dur="indefinite" restart="never" nodeType="tmRoot"/>
+      </p:par>
+    </p:tnLst>
+  </p:timing>
 </p:sld>
 </file>
 
@@ -3453,144 +4431,80 @@
       </p:grpSpPr>
       <p:sp>
         <p:nvSpPr>
-          <p:cNvPr id="2" name="Title 1"/>
-          <p:cNvSpPr>
-            <a:spLocks noGrp="1"/>
-          </p:cNvSpPr>
-          <p:nvPr>
-            <p:ph type="title"/>
-          </p:nvPr>
-        </p:nvSpPr>
-        <p:spPr/>
-        <p:txBody>
-          <a:bodyPr>
+          <p:cNvPr id="5" name="內容版面配置區 4"/>
+          <p:cNvSpPr>
+            <a:spLocks noGrp="1"/>
+          </p:cNvSpPr>
+          <p:nvPr>
+            <p:ph idx="1"/>
+          </p:nvPr>
+        </p:nvSpPr>
+        <p:spPr>
+          <a:xfrm>
+            <a:off x="0" y="2084851"/>
+            <a:ext cx="12192000" cy="2404863"/>
+          </a:xfrm>
+        </p:spPr>
+        <p:txBody>
+          <a:bodyPr anchor="ctr">
             <a:normAutofit/>
           </a:bodyPr>
           <a:lstStyle/>
           <a:p>
-            <a:r>
-              <a:rPr lang="zh-CN" altLang="en-US" sz="4800" b="1" dirty="0" smtClean="0">
+            <a:pPr marL="0" indent="0" algn="ctr">
+              <a:buNone/>
+            </a:pPr>
+            <a:r>
+              <a:rPr lang="zh-CN" altLang="en-US" sz="6400" b="1" dirty="0">
+                <a:solidFill>
+                  <a:srgbClr val="660033"/>
+                </a:solidFill>
                 <a:latin typeface="Microsoft JhengHei" panose="020B0604030504040204" pitchFamily="34" charset="-120"/>
                 <a:ea typeface="Microsoft JhengHei" panose="020B0604030504040204" pitchFamily="34" charset="-120"/>
               </a:rPr>
-              <a:t>喜傳福音</a:t>
-            </a:r>
-            <a:endParaRPr lang="vi-VN" sz="4800" b="1" dirty="0">
+              <a:t>我喜宣傳主福音  深知恩道是真</a:t>
+            </a:r>
+            <a:endParaRPr lang="en-US" altLang="zh-CN" sz="6400" b="1" dirty="0">
+              <a:solidFill>
+                <a:srgbClr val="660033"/>
+              </a:solidFill>
+              <a:latin typeface="Microsoft JhengHei" panose="020B0604030504040204" pitchFamily="34" charset="-120"/>
               <a:ea typeface="Microsoft JhengHei" panose="020B0604030504040204" pitchFamily="34" charset="-120"/>
             </a:endParaRPr>
           </a:p>
-        </p:txBody>
-      </p:sp>
-      <p:sp>
-        <p:nvSpPr>
-          <p:cNvPr id="3" name="Content Placeholder 2"/>
-          <p:cNvSpPr>
-            <a:spLocks noGrp="1"/>
-          </p:cNvSpPr>
-          <p:nvPr>
-            <p:ph idx="1"/>
-          </p:nvPr>
-        </p:nvSpPr>
-        <p:spPr/>
-        <p:txBody>
-          <a:bodyPr>
-            <a:normAutofit/>
-          </a:bodyPr>
-          <a:lstStyle/>
           <a:p>
             <a:pPr marL="0" indent="0" algn="ctr">
               <a:buNone/>
             </a:pPr>
             <a:r>
-              <a:rPr lang="zh-CN" altLang="en-US" sz="5400" b="1" dirty="0" smtClean="0">
+              <a:rPr lang="zh-CN" altLang="en-US" sz="6400" b="1" dirty="0">
+                <a:solidFill>
+                  <a:srgbClr val="660033"/>
+                </a:solidFill>
                 <a:latin typeface="Microsoft JhengHei" panose="020B0604030504040204" pitchFamily="34" charset="-120"/>
                 <a:ea typeface="Microsoft JhengHei" panose="020B0604030504040204" pitchFamily="34" charset="-120"/>
               </a:rPr>
-              <a:t>我傳福音甚歡欣  強過奇思妙想</a:t>
-            </a:r>
-            <a:endParaRPr lang="en-US" altLang="zh-CN" sz="5400" b="1" dirty="0" smtClean="0">
-              <a:latin typeface="Microsoft JhengHei" panose="020B0604030504040204" pitchFamily="34" charset="-120"/>
+              <a:t>遠勝世上之金銀  使我快樂滿心</a:t>
+            </a:r>
+            <a:endParaRPr lang="vi-VN" sz="6400" b="1" dirty="0">
+              <a:solidFill>
+                <a:srgbClr val="660033"/>
+              </a:solidFill>
               <a:ea typeface="Microsoft JhengHei" panose="020B0604030504040204" pitchFamily="34" charset="-120"/>
             </a:endParaRPr>
           </a:p>
-          <a:p>
-            <a:pPr marL="0" indent="0" algn="ctr">
-              <a:buNone/>
-            </a:pPr>
-            <a:r>
-              <a:rPr lang="zh-CN" altLang="en-US" sz="5400" b="1" dirty="0">
-                <a:latin typeface="Microsoft JhengHei" panose="020B0604030504040204" pitchFamily="34" charset="-120"/>
-                <a:ea typeface="Microsoft JhengHei" panose="020B0604030504040204" pitchFamily="34" charset="-120"/>
-              </a:rPr>
-              <a:t>勝</a:t>
-            </a:r>
-            <a:r>
-              <a:rPr lang="zh-CN" altLang="en-US" sz="5400" b="1" dirty="0" smtClean="0">
-                <a:latin typeface="Microsoft JhengHei" panose="020B0604030504040204" pitchFamily="34" charset="-120"/>
-                <a:ea typeface="Microsoft JhengHei" panose="020B0604030504040204" pitchFamily="34" charset="-120"/>
-              </a:rPr>
-              <a:t>過夢中諸佳景  勝過良謀妙算</a:t>
-            </a:r>
-            <a:endParaRPr lang="en-US" altLang="zh-CN" sz="5400" b="1" dirty="0" smtClean="0">
-              <a:latin typeface="Microsoft JhengHei" panose="020B0604030504040204" pitchFamily="34" charset="-120"/>
-              <a:ea typeface="Microsoft JhengHei" panose="020B0604030504040204" pitchFamily="34" charset="-120"/>
-            </a:endParaRPr>
-          </a:p>
-          <a:p>
-            <a:pPr marL="0" indent="0" algn="ctr">
-              <a:buNone/>
-            </a:pPr>
-            <a:r>
-              <a:rPr lang="zh-CN" altLang="en-US" sz="5400" b="1" dirty="0">
-                <a:latin typeface="Microsoft JhengHei" panose="020B0604030504040204" pitchFamily="34" charset="-120"/>
-                <a:ea typeface="Microsoft JhengHei" panose="020B0604030504040204" pitchFamily="34" charset="-120"/>
-              </a:rPr>
-              <a:t>我喜宣傳主福</a:t>
-            </a:r>
-            <a:r>
-              <a:rPr lang="zh-CN" altLang="en-US" sz="5400" b="1" dirty="0" smtClean="0">
-                <a:latin typeface="Microsoft JhengHei" panose="020B0604030504040204" pitchFamily="34" charset="-120"/>
-                <a:ea typeface="Microsoft JhengHei" panose="020B0604030504040204" pitchFamily="34" charset="-120"/>
-              </a:rPr>
-              <a:t>音  此道已經救我</a:t>
-            </a:r>
-            <a:endParaRPr lang="en-US" altLang="zh-CN" sz="5400" b="1" dirty="0" smtClean="0">
-              <a:latin typeface="Microsoft JhengHei" panose="020B0604030504040204" pitchFamily="34" charset="-120"/>
-              <a:ea typeface="Microsoft JhengHei" panose="020B0604030504040204" pitchFamily="34" charset="-120"/>
-            </a:endParaRPr>
-          </a:p>
-          <a:p>
-            <a:pPr marL="0" indent="0" algn="ctr">
-              <a:buNone/>
-            </a:pPr>
-            <a:r>
-              <a:rPr lang="zh-CN" altLang="en-US" sz="5400" b="1" dirty="0">
-                <a:ea typeface="Microsoft JhengHei" panose="020B0604030504040204" pitchFamily="34" charset="-120"/>
-              </a:rPr>
-              <a:t>所</a:t>
-            </a:r>
-            <a:r>
-              <a:rPr lang="zh-CN" altLang="en-US" sz="5400" b="1" dirty="0" smtClean="0">
-                <a:ea typeface="Microsoft JhengHei" panose="020B0604030504040204" pitchFamily="34" charset="-120"/>
-              </a:rPr>
-              <a:t>以始終仍然傳  我今傳道救人</a:t>
-            </a:r>
-            <a:endParaRPr lang="vi-VN" sz="5400" b="1" dirty="0">
-              <a:ea typeface="Microsoft JhengHei" panose="020B0604030504040204" pitchFamily="34" charset="-120"/>
-            </a:endParaRPr>
-          </a:p>
-        </p:txBody>
-      </p:sp>
-      <p:sp>
-        <p:nvSpPr>
-          <p:cNvPr id="4" name="TextBox 3"/>
+        </p:txBody>
+      </p:sp>
+      <p:sp>
+        <p:nvSpPr>
+          <p:cNvPr id="3" name="TextBox 2"/>
           <p:cNvSpPr txBox="1"/>
           <p:nvPr/>
         </p:nvSpPr>
         <p:spPr>
           <a:xfrm>
-            <a:off x="320842" y="1600201"/>
-            <a:ext cx="914400" cy="1015663"/>
+            <a:off x="0" y="5061182"/>
+            <a:ext cx="12192000" cy="830997"/>
           </a:xfrm>
           <a:prstGeom prst="rect">
             <a:avLst/>
@@ -3603,28 +4517,40 @@
           </a:bodyPr>
           <a:lstStyle/>
           <a:p>
-            <a:r>
-              <a:rPr lang="en-US" sz="6000" b="1" dirty="0"/>
-              <a:t>2</a:t>
-            </a:r>
-            <a:r>
-              <a:rPr lang="en-US" sz="6000" b="1" dirty="0" smtClean="0"/>
-              <a:t>.</a:t>
-            </a:r>
-            <a:endParaRPr lang="vi-VN" sz="6000" b="1" dirty="0"/>
+            <a:pPr algn="ctr"/>
+            <a:r>
+              <a:rPr lang="en-US" sz="4800" b="1" dirty="0">
+                <a:solidFill>
+                  <a:srgbClr val="660033"/>
+                </a:solidFill>
+              </a:rPr>
+              <a:t>( 1 )</a:t>
+            </a:r>
+            <a:endParaRPr lang="vi-VN" sz="4800" b="1" dirty="0">
+              <a:solidFill>
+                <a:srgbClr val="660033"/>
+              </a:solidFill>
+            </a:endParaRPr>
           </a:p>
         </p:txBody>
       </p:sp>
     </p:spTree>
     <p:extLst>
       <p:ext uri="{BB962C8B-B14F-4D97-AF65-F5344CB8AC3E}">
-        <p14:creationId xmlns:p14="http://schemas.microsoft.com/office/powerpoint/2010/main" val="711172325"/>
+        <p14:creationId xmlns:p14="http://schemas.microsoft.com/office/powerpoint/2010/main" val="2836392039"/>
       </p:ext>
     </p:extLst>
   </p:cSld>
   <p:clrMapOvr>
     <a:masterClrMapping/>
   </p:clrMapOvr>
+  <p:timing>
+    <p:tnLst>
+      <p:par>
+        <p:cTn id="1" dur="indefinite" restart="never" nodeType="tmRoot"/>
+      </p:par>
+    </p:tnLst>
+  </p:timing>
 </p:sld>
 </file>
 
@@ -3647,62 +4573,43 @@
       </p:grpSpPr>
       <p:sp>
         <p:nvSpPr>
-          <p:cNvPr id="2" name="Title 1"/>
-          <p:cNvSpPr>
-            <a:spLocks noGrp="1"/>
-          </p:cNvSpPr>
-          <p:nvPr>
-            <p:ph type="title"/>
-          </p:nvPr>
-        </p:nvSpPr>
-        <p:spPr/>
-        <p:txBody>
-          <a:bodyPr>
+          <p:cNvPr id="5" name="內容版面配置區 4"/>
+          <p:cNvSpPr>
+            <a:spLocks noGrp="1"/>
+          </p:cNvSpPr>
+          <p:nvPr>
+            <p:ph idx="1"/>
+          </p:nvPr>
+        </p:nvSpPr>
+        <p:spPr>
+          <a:xfrm>
+            <a:off x="0" y="2084851"/>
+            <a:ext cx="12192000" cy="2404863"/>
+          </a:xfrm>
+        </p:spPr>
+        <p:txBody>
+          <a:bodyPr anchor="ctr">
             <a:normAutofit/>
           </a:bodyPr>
           <a:lstStyle/>
           <a:p>
-            <a:r>
-              <a:rPr lang="zh-CN" altLang="en-US" sz="4800" b="1" dirty="0" smtClean="0">
-                <a:latin typeface="Microsoft JhengHei" panose="020B0604030504040204" pitchFamily="34" charset="-120"/>
-                <a:ea typeface="Microsoft JhengHei" panose="020B0604030504040204" pitchFamily="34" charset="-120"/>
-              </a:rPr>
-              <a:t>喜傳福音</a:t>
-            </a:r>
-            <a:endParaRPr lang="vi-VN" sz="4800" b="1" dirty="0">
-              <a:ea typeface="Microsoft JhengHei" panose="020B0604030504040204" pitchFamily="34" charset="-120"/>
-            </a:endParaRPr>
-          </a:p>
-        </p:txBody>
-      </p:sp>
-      <p:sp>
-        <p:nvSpPr>
-          <p:cNvPr id="3" name="Content Placeholder 2"/>
-          <p:cNvSpPr>
-            <a:spLocks noGrp="1"/>
-          </p:cNvSpPr>
-          <p:nvPr>
-            <p:ph idx="1"/>
-          </p:nvPr>
-        </p:nvSpPr>
-        <p:spPr/>
-        <p:txBody>
-          <a:bodyPr>
-            <a:normAutofit/>
-          </a:bodyPr>
-          <a:lstStyle/>
-          <a:p>
             <a:pPr marL="0" indent="0" algn="ctr">
               <a:buNone/>
             </a:pPr>
             <a:r>
-              <a:rPr lang="zh-CN" altLang="en-US" sz="5400" b="1" dirty="0" smtClean="0">
+              <a:rPr lang="zh-CN" altLang="en-US" sz="6400" b="1" dirty="0">
+                <a:solidFill>
+                  <a:srgbClr val="660033"/>
+                </a:solidFill>
                 <a:latin typeface="Microsoft JhengHei" panose="020B0604030504040204" pitchFamily="34" charset="-120"/>
                 <a:ea typeface="Microsoft JhengHei" panose="020B0604030504040204" pitchFamily="34" charset="-120"/>
               </a:rPr>
               <a:t>我傳福音甚歡欣</a:t>
             </a:r>
-            <a:endParaRPr lang="en-US" altLang="zh-CN" sz="5400" b="1" dirty="0" smtClean="0">
+            <a:endParaRPr lang="en-US" altLang="zh-CN" sz="6400" b="1" dirty="0">
+              <a:solidFill>
+                <a:srgbClr val="660033"/>
+              </a:solidFill>
               <a:latin typeface="Microsoft JhengHei" panose="020B0604030504040204" pitchFamily="34" charset="-120"/>
               <a:ea typeface="Microsoft JhengHei" panose="020B0604030504040204" pitchFamily="34" charset="-120"/>
             </a:endParaRPr>
@@ -3712,81 +4619,42 @@
               <a:buNone/>
             </a:pPr>
             <a:r>
-              <a:rPr lang="zh-CN" altLang="en-US" sz="5400" b="1" dirty="0">
+              <a:rPr lang="zh-CN" altLang="en-US" sz="6400" b="1" dirty="0">
+                <a:solidFill>
+                  <a:srgbClr val="660033"/>
+                </a:solidFill>
                 <a:latin typeface="Microsoft JhengHei" panose="020B0604030504040204" pitchFamily="34" charset="-120"/>
                 <a:ea typeface="Microsoft JhengHei" panose="020B0604030504040204" pitchFamily="34" charset="-120"/>
               </a:rPr>
-              <a:t>在</a:t>
-            </a:r>
-            <a:r>
-              <a:rPr lang="zh-CN" altLang="en-US" sz="5400" b="1" dirty="0" smtClean="0">
-                <a:latin typeface="Microsoft JhengHei" panose="020B0604030504040204" pitchFamily="34" charset="-120"/>
-                <a:ea typeface="Microsoft JhengHei" panose="020B0604030504040204" pitchFamily="34" charset="-120"/>
-              </a:rPr>
-              <a:t>天榮耀亦揚傳</a:t>
-            </a:r>
-            <a:endParaRPr lang="en-US" altLang="zh-CN" sz="5400" b="1" dirty="0" smtClean="0">
+              <a:t>在天榮耀亦揚傳</a:t>
+            </a:r>
+            <a:endParaRPr lang="en-US" altLang="zh-CN" sz="6400" b="1" dirty="0">
+              <a:solidFill>
+                <a:srgbClr val="660033"/>
+              </a:solidFill>
               <a:latin typeface="Microsoft JhengHei" panose="020B0604030504040204" pitchFamily="34" charset="-120"/>
               <a:ea typeface="Microsoft JhengHei" panose="020B0604030504040204" pitchFamily="34" charset="-120"/>
             </a:endParaRPr>
           </a:p>
-          <a:p>
-            <a:pPr marL="0" indent="0" algn="ctr">
-              <a:buNone/>
-            </a:pPr>
-            <a:r>
-              <a:rPr lang="zh-CN" altLang="en-US" sz="5400" b="1" dirty="0">
-                <a:latin typeface="Microsoft JhengHei" panose="020B0604030504040204" pitchFamily="34" charset="-120"/>
-                <a:ea typeface="Microsoft JhengHei" panose="020B0604030504040204" pitchFamily="34" charset="-120"/>
-              </a:rPr>
-              <a:t>顯</a:t>
-            </a:r>
-            <a:r>
-              <a:rPr lang="zh-CN" altLang="en-US" sz="5400" b="1" dirty="0" smtClean="0">
-                <a:latin typeface="Microsoft JhengHei" panose="020B0604030504040204" pitchFamily="34" charset="-120"/>
-                <a:ea typeface="Microsoft JhengHei" panose="020B0604030504040204" pitchFamily="34" charset="-120"/>
-              </a:rPr>
-              <a:t>明舊日之福音</a:t>
-            </a:r>
-            <a:endParaRPr lang="en-US" altLang="zh-CN" sz="5400" b="1" dirty="0" smtClean="0">
-              <a:latin typeface="Microsoft JhengHei" panose="020B0604030504040204" pitchFamily="34" charset="-120"/>
-              <a:ea typeface="Microsoft JhengHei" panose="020B0604030504040204" pitchFamily="34" charset="-120"/>
-            </a:endParaRPr>
-          </a:p>
-          <a:p>
-            <a:pPr marL="0" indent="0" algn="ctr">
-              <a:buNone/>
-            </a:pPr>
-            <a:r>
-              <a:rPr lang="zh-CN" altLang="en-US" sz="5400" b="1" dirty="0">
-                <a:latin typeface="Microsoft JhengHei" panose="020B0604030504040204" pitchFamily="34" charset="-120"/>
-                <a:ea typeface="Microsoft JhengHei" panose="020B0604030504040204" pitchFamily="34" charset="-120"/>
-              </a:rPr>
-              <a:t>耶</a:t>
-            </a:r>
-            <a:r>
-              <a:rPr lang="zh-CN" altLang="en-US" sz="5400" b="1" dirty="0" smtClean="0">
-                <a:latin typeface="Microsoft JhengHei" panose="020B0604030504040204" pitchFamily="34" charset="-120"/>
-                <a:ea typeface="Microsoft JhengHei" panose="020B0604030504040204" pitchFamily="34" charset="-120"/>
-              </a:rPr>
-              <a:t>穌仁愛永存</a:t>
-            </a:r>
-            <a:endParaRPr lang="vi-VN" sz="5400" b="1" dirty="0">
-              <a:ea typeface="Microsoft JhengHei" panose="020B0604030504040204" pitchFamily="34" charset="-120"/>
-            </a:endParaRPr>
-          </a:p>
         </p:txBody>
       </p:sp>
     </p:spTree>
     <p:extLst>
       <p:ext uri="{BB962C8B-B14F-4D97-AF65-F5344CB8AC3E}">
-        <p14:creationId xmlns:p14="http://schemas.microsoft.com/office/powerpoint/2010/main" val="200783325"/>
+        <p14:creationId xmlns:p14="http://schemas.microsoft.com/office/powerpoint/2010/main" val="2012654878"/>
       </p:ext>
     </p:extLst>
   </p:cSld>
   <p:clrMapOvr>
     <a:masterClrMapping/>
   </p:clrMapOvr>
+  <p:timing>
+    <p:tnLst>
+      <p:par>
+        <p:cTn id="1" dur="indefinite" restart="never" nodeType="tmRoot"/>
+      </p:par>
+    </p:tnLst>
+  </p:timing>
 </p:sld>
 </file>
 
@@ -3809,180 +4677,87 @@
       </p:grpSpPr>
       <p:sp>
         <p:nvSpPr>
-          <p:cNvPr id="2" name="Title 1"/>
-          <p:cNvSpPr>
-            <a:spLocks noGrp="1"/>
-          </p:cNvSpPr>
-          <p:nvPr>
-            <p:ph type="title"/>
-          </p:nvPr>
-        </p:nvSpPr>
-        <p:spPr/>
-        <p:txBody>
-          <a:bodyPr>
+          <p:cNvPr id="5" name="內容版面配置區 4"/>
+          <p:cNvSpPr>
+            <a:spLocks noGrp="1"/>
+          </p:cNvSpPr>
+          <p:nvPr>
+            <p:ph idx="1"/>
+          </p:nvPr>
+        </p:nvSpPr>
+        <p:spPr>
+          <a:xfrm>
+            <a:off x="0" y="2084851"/>
+            <a:ext cx="12192000" cy="2404863"/>
+          </a:xfrm>
+        </p:spPr>
+        <p:txBody>
+          <a:bodyPr anchor="ctr">
             <a:normAutofit/>
           </a:bodyPr>
           <a:lstStyle/>
           <a:p>
-            <a:r>
-              <a:rPr lang="zh-CN" altLang="en-US" sz="4800" b="1" dirty="0" smtClean="0">
+            <a:pPr marL="0" indent="0" algn="ctr">
+              <a:buNone/>
+            </a:pPr>
+            <a:r>
+              <a:rPr lang="zh-CN" altLang="en-US" sz="6400" b="1" dirty="0">
+                <a:solidFill>
+                  <a:srgbClr val="660033"/>
+                </a:solidFill>
                 <a:latin typeface="Microsoft JhengHei" panose="020B0604030504040204" pitchFamily="34" charset="-120"/>
                 <a:ea typeface="Microsoft JhengHei" panose="020B0604030504040204" pitchFamily="34" charset="-120"/>
               </a:rPr>
-              <a:t>喜傳福音</a:t>
-            </a:r>
-            <a:endParaRPr lang="vi-VN" sz="4800" b="1" dirty="0">
+              <a:t>顯明舊日之福音</a:t>
+            </a:r>
+            <a:endParaRPr lang="en-US" altLang="zh-CN" sz="6400" b="1" dirty="0">
+              <a:solidFill>
+                <a:srgbClr val="660033"/>
+              </a:solidFill>
+              <a:latin typeface="Microsoft JhengHei" panose="020B0604030504040204" pitchFamily="34" charset="-120"/>
               <a:ea typeface="Microsoft JhengHei" panose="020B0604030504040204" pitchFamily="34" charset="-120"/>
             </a:endParaRPr>
           </a:p>
-        </p:txBody>
-      </p:sp>
-      <p:sp>
-        <p:nvSpPr>
-          <p:cNvPr id="3" name="Content Placeholder 2"/>
-          <p:cNvSpPr>
-            <a:spLocks noGrp="1"/>
-          </p:cNvSpPr>
-          <p:nvPr>
-            <p:ph idx="1"/>
-          </p:nvPr>
-        </p:nvSpPr>
-        <p:spPr/>
-        <p:txBody>
-          <a:bodyPr>
-            <a:normAutofit/>
-          </a:bodyPr>
-          <a:lstStyle/>
           <a:p>
             <a:pPr marL="0" indent="0" algn="ctr">
               <a:buNone/>
             </a:pPr>
             <a:r>
-              <a:rPr lang="zh-CN" altLang="en-US" sz="5400" b="1" dirty="0" smtClean="0">
+              <a:rPr lang="zh-CN" altLang="en-US" sz="6400" b="1" dirty="0">
+                <a:solidFill>
+                  <a:srgbClr val="660033"/>
+                </a:solidFill>
                 <a:latin typeface="Microsoft JhengHei" panose="020B0604030504040204" pitchFamily="34" charset="-120"/>
                 <a:ea typeface="Microsoft JhengHei" panose="020B0604030504040204" pitchFamily="34" charset="-120"/>
               </a:rPr>
-              <a:t>我傳福音甚歡欣  常講耶穌聖道</a:t>
-            </a:r>
-            <a:endParaRPr lang="en-US" altLang="zh-CN" sz="5400" b="1" dirty="0" smtClean="0">
-              <a:latin typeface="Microsoft JhengHei" panose="020B0604030504040204" pitchFamily="34" charset="-120"/>
+              <a:t>耶穌仁愛永存</a:t>
+            </a:r>
+            <a:endParaRPr lang="vi-VN" sz="6400" b="1" dirty="0">
+              <a:solidFill>
+                <a:srgbClr val="660033"/>
+              </a:solidFill>
               <a:ea typeface="Microsoft JhengHei" panose="020B0604030504040204" pitchFamily="34" charset="-120"/>
             </a:endParaRPr>
-          </a:p>
-          <a:p>
-            <a:pPr marL="0" indent="0" algn="ctr">
-              <a:buNone/>
-            </a:pPr>
-            <a:r>
-              <a:rPr lang="zh-CN" altLang="en-US" sz="5400" b="1" dirty="0">
-                <a:latin typeface="Microsoft JhengHei" panose="020B0604030504040204" pitchFamily="34" charset="-120"/>
-                <a:ea typeface="Microsoft JhengHei" panose="020B0604030504040204" pitchFamily="34" charset="-120"/>
-              </a:rPr>
-              <a:t>每</a:t>
-            </a:r>
-            <a:r>
-              <a:rPr lang="zh-CN" altLang="en-US" sz="5400" b="1" dirty="0" smtClean="0">
-                <a:latin typeface="Microsoft JhengHei" panose="020B0604030504040204" pitchFamily="34" charset="-120"/>
-                <a:ea typeface="Microsoft JhengHei" panose="020B0604030504040204" pitchFamily="34" charset="-120"/>
-              </a:rPr>
-              <a:t>逢述說此福音  更覺加部美好</a:t>
-            </a:r>
-            <a:endParaRPr lang="en-US" altLang="zh-CN" sz="5400" b="1" dirty="0" smtClean="0">
-              <a:latin typeface="Microsoft JhengHei" panose="020B0604030504040204" pitchFamily="34" charset="-120"/>
-              <a:ea typeface="Microsoft JhengHei" panose="020B0604030504040204" pitchFamily="34" charset="-120"/>
-            </a:endParaRPr>
-          </a:p>
-          <a:p>
-            <a:pPr marL="0" indent="0" algn="ctr">
-              <a:buNone/>
-            </a:pPr>
-            <a:r>
-              <a:rPr lang="zh-CN" altLang="en-US" sz="5400" b="1" dirty="0">
-                <a:latin typeface="Microsoft JhengHei" panose="020B0604030504040204" pitchFamily="34" charset="-120"/>
-                <a:ea typeface="Microsoft JhengHei" panose="020B0604030504040204" pitchFamily="34" charset="-120"/>
-              </a:rPr>
-              <a:t>我喜宣傳主福</a:t>
-            </a:r>
-            <a:r>
-              <a:rPr lang="zh-CN" altLang="en-US" sz="5400" b="1" dirty="0" smtClean="0">
-                <a:latin typeface="Microsoft JhengHei" panose="020B0604030504040204" pitchFamily="34" charset="-120"/>
-                <a:ea typeface="Microsoft JhengHei" panose="020B0604030504040204" pitchFamily="34" charset="-120"/>
-              </a:rPr>
-              <a:t>音  多處尚未傳到</a:t>
-            </a:r>
-            <a:endParaRPr lang="en-US" altLang="zh-CN" sz="5400" b="1" dirty="0" smtClean="0">
-              <a:latin typeface="Microsoft JhengHei" panose="020B0604030504040204" pitchFamily="34" charset="-120"/>
-              <a:ea typeface="Microsoft JhengHei" panose="020B0604030504040204" pitchFamily="34" charset="-120"/>
-            </a:endParaRPr>
-          </a:p>
-          <a:p>
-            <a:pPr marL="0" indent="0" algn="ctr">
-              <a:buNone/>
-            </a:pPr>
-            <a:r>
-              <a:rPr lang="zh-CN" altLang="en-US" sz="5400" b="1" dirty="0">
-                <a:latin typeface="Microsoft JhengHei" panose="020B0604030504040204" pitchFamily="34" charset="-120"/>
-                <a:ea typeface="Microsoft JhengHei" panose="020B0604030504040204" pitchFamily="34" charset="-120"/>
-              </a:rPr>
-              <a:t>上</a:t>
-            </a:r>
-            <a:r>
-              <a:rPr lang="zh-CN" altLang="en-US" sz="5400" b="1" dirty="0" smtClean="0">
-                <a:latin typeface="Microsoft JhengHei" panose="020B0604030504040204" pitchFamily="34" charset="-120"/>
-                <a:ea typeface="Microsoft JhengHei" panose="020B0604030504040204" pitchFamily="34" charset="-120"/>
-              </a:rPr>
-              <a:t>帝救恩之嘉音  聖經恩言福道</a:t>
-            </a:r>
-            <a:endParaRPr lang="vi-VN" sz="5400" b="1" dirty="0">
-              <a:ea typeface="Microsoft JhengHei" panose="020B0604030504040204" pitchFamily="34" charset="-120"/>
-            </a:endParaRPr>
-          </a:p>
-        </p:txBody>
-      </p:sp>
-      <p:sp>
-        <p:nvSpPr>
-          <p:cNvPr id="4" name="TextBox 3"/>
-          <p:cNvSpPr txBox="1"/>
-          <p:nvPr/>
-        </p:nvSpPr>
-        <p:spPr>
-          <a:xfrm>
-            <a:off x="320842" y="1600201"/>
-            <a:ext cx="914400" cy="1015663"/>
-          </a:xfrm>
-          <a:prstGeom prst="rect">
-            <a:avLst/>
-          </a:prstGeom>
-          <a:noFill/>
-        </p:spPr>
-        <p:txBody>
-          <a:bodyPr wrap="square" rtlCol="0">
-            <a:spAutoFit/>
-          </a:bodyPr>
-          <a:lstStyle/>
-          <a:p>
-            <a:r>
-              <a:rPr lang="en-US" sz="6000" b="1" dirty="0"/>
-              <a:t>3</a:t>
-            </a:r>
-            <a:r>
-              <a:rPr lang="en-US" sz="6000" b="1" dirty="0" smtClean="0"/>
-              <a:t>.</a:t>
-            </a:r>
-            <a:endParaRPr lang="vi-VN" sz="6000" b="1" dirty="0"/>
           </a:p>
         </p:txBody>
       </p:sp>
     </p:spTree>
     <p:extLst>
       <p:ext uri="{BB962C8B-B14F-4D97-AF65-F5344CB8AC3E}">
-        <p14:creationId xmlns:p14="http://schemas.microsoft.com/office/powerpoint/2010/main" val="2593399729"/>
+        <p14:creationId xmlns:p14="http://schemas.microsoft.com/office/powerpoint/2010/main" val="3837373444"/>
       </p:ext>
     </p:extLst>
   </p:cSld>
   <p:clrMapOvr>
     <a:masterClrMapping/>
   </p:clrMapOvr>
+  <p:timing>
+    <p:tnLst>
+      <p:par>
+        <p:cTn id="1" dur="indefinite" restart="never" nodeType="tmRoot"/>
+      </p:par>
+    </p:tnLst>
+  </p:timing>
 </p:sld>
 </file>
 
@@ -4005,132 +4780,106 @@
       </p:grpSpPr>
       <p:sp>
         <p:nvSpPr>
-          <p:cNvPr id="2" name="Title 1"/>
-          <p:cNvSpPr>
-            <a:spLocks noGrp="1"/>
-          </p:cNvSpPr>
-          <p:nvPr>
-            <p:ph type="title"/>
-          </p:nvPr>
-        </p:nvSpPr>
-        <p:spPr/>
-        <p:txBody>
-          <a:bodyPr>
+          <p:cNvPr id="5" name="內容版面配置區 4"/>
+          <p:cNvSpPr>
+            <a:spLocks noGrp="1"/>
+          </p:cNvSpPr>
+          <p:nvPr>
+            <p:ph idx="1"/>
+          </p:nvPr>
+        </p:nvSpPr>
+        <p:spPr>
+          <a:xfrm>
+            <a:off x="0" y="2084851"/>
+            <a:ext cx="12192000" cy="2404863"/>
+          </a:xfrm>
+        </p:spPr>
+        <p:txBody>
+          <a:bodyPr anchor="ctr">
             <a:normAutofit/>
           </a:bodyPr>
           <a:lstStyle/>
           <a:p>
-            <a:r>
-              <a:rPr lang="zh-CN" altLang="en-US" sz="4800" b="1" dirty="0" smtClean="0">
+            <a:pPr marL="0" indent="0" algn="ctr">
+              <a:buNone/>
+            </a:pPr>
+            <a:r>
+              <a:rPr lang="zh-CN" altLang="en-US" sz="6400" b="1" dirty="0">
+                <a:solidFill>
+                  <a:srgbClr val="660033"/>
+                </a:solidFill>
                 <a:latin typeface="Microsoft JhengHei" panose="020B0604030504040204" pitchFamily="34" charset="-120"/>
                 <a:ea typeface="Microsoft JhengHei" panose="020B0604030504040204" pitchFamily="34" charset="-120"/>
               </a:rPr>
-              <a:t>喜傳福音</a:t>
-            </a:r>
-            <a:endParaRPr lang="vi-VN" sz="4800" b="1" dirty="0">
+              <a:t>我傳福音甚歡欣  強過奇思妙想</a:t>
+            </a:r>
+            <a:endParaRPr lang="en-US" altLang="zh-CN" sz="6400" b="1" dirty="0">
+              <a:solidFill>
+                <a:srgbClr val="660033"/>
+              </a:solidFill>
+              <a:latin typeface="Microsoft JhengHei" panose="020B0604030504040204" pitchFamily="34" charset="-120"/>
               <a:ea typeface="Microsoft JhengHei" panose="020B0604030504040204" pitchFamily="34" charset="-120"/>
             </a:endParaRPr>
           </a:p>
-        </p:txBody>
-      </p:sp>
-      <p:sp>
-        <p:nvSpPr>
-          <p:cNvPr id="3" name="Content Placeholder 2"/>
-          <p:cNvSpPr>
-            <a:spLocks noGrp="1"/>
-          </p:cNvSpPr>
-          <p:nvPr>
-            <p:ph idx="1"/>
-          </p:nvPr>
-        </p:nvSpPr>
-        <p:spPr/>
-        <p:txBody>
-          <a:bodyPr>
-            <a:normAutofit/>
-          </a:bodyPr>
-          <a:lstStyle/>
           <a:p>
             <a:pPr marL="0" indent="0" algn="ctr">
               <a:buNone/>
             </a:pPr>
             <a:r>
-              <a:rPr lang="zh-CN" altLang="en-US" sz="5400" b="1" dirty="0" smtClean="0">
+              <a:rPr lang="zh-CN" altLang="en-US" sz="6400" b="1" dirty="0">
+                <a:solidFill>
+                  <a:srgbClr val="660033"/>
+                </a:solidFill>
                 <a:latin typeface="Microsoft JhengHei" panose="020B0604030504040204" pitchFamily="34" charset="-120"/>
                 <a:ea typeface="Microsoft JhengHei" panose="020B0604030504040204" pitchFamily="34" charset="-120"/>
               </a:rPr>
-              <a:t>我傳福音甚歡欣</a:t>
-            </a:r>
-            <a:endParaRPr lang="en-US" altLang="zh-CN" sz="5400" b="1" dirty="0" smtClean="0">
+              <a:t>勝過夢中諸佳景  勝過良謀妙算</a:t>
+            </a:r>
+            <a:endParaRPr lang="en-US" altLang="zh-CN" sz="6400" b="1" dirty="0">
+              <a:solidFill>
+                <a:srgbClr val="660033"/>
+              </a:solidFill>
               <a:latin typeface="Microsoft JhengHei" panose="020B0604030504040204" pitchFamily="34" charset="-120"/>
               <a:ea typeface="Microsoft JhengHei" panose="020B0604030504040204" pitchFamily="34" charset="-120"/>
             </a:endParaRPr>
           </a:p>
-          <a:p>
-            <a:pPr marL="0" indent="0" algn="ctr">
-              <a:buNone/>
-            </a:pPr>
-            <a:r>
-              <a:rPr lang="zh-CN" altLang="en-US" sz="5400" b="1" dirty="0">
-                <a:latin typeface="Microsoft JhengHei" panose="020B0604030504040204" pitchFamily="34" charset="-120"/>
-                <a:ea typeface="Microsoft JhengHei" panose="020B0604030504040204" pitchFamily="34" charset="-120"/>
+        </p:txBody>
+      </p:sp>
+      <p:sp>
+        <p:nvSpPr>
+          <p:cNvPr id="3" name="TextBox 2"/>
+          <p:cNvSpPr txBox="1"/>
+          <p:nvPr/>
+        </p:nvSpPr>
+        <p:spPr>
+          <a:xfrm>
+            <a:off x="0" y="5061182"/>
+            <a:ext cx="12192000" cy="830997"/>
+          </a:xfrm>
+          <a:prstGeom prst="rect">
+            <a:avLst/>
+          </a:prstGeom>
+          <a:noFill/>
+        </p:spPr>
+        <p:txBody>
+          <a:bodyPr wrap="square" rtlCol="0">
+            <a:spAutoFit/>
+          </a:bodyPr>
+          <a:lstStyle/>
+          <a:p>
+            <a:pPr algn="ctr"/>
+            <a:r>
+              <a:rPr lang="en-US" sz="4800" b="1" dirty="0">
+                <a:solidFill>
+                  <a:srgbClr val="660033"/>
+                </a:solidFill>
               </a:rPr>
-              <a:t>在</a:t>
-            </a:r>
-            <a:r>
-              <a:rPr lang="zh-CN" altLang="en-US" sz="5400" b="1" dirty="0" smtClean="0">
-                <a:latin typeface="Microsoft JhengHei" panose="020B0604030504040204" pitchFamily="34" charset="-120"/>
-                <a:ea typeface="Microsoft JhengHei" panose="020B0604030504040204" pitchFamily="34" charset="-120"/>
-              </a:rPr>
-              <a:t>天榮耀亦揚傳</a:t>
-            </a:r>
-            <a:endParaRPr lang="en-US" altLang="zh-CN" sz="5400" b="1" dirty="0" smtClean="0">
-              <a:latin typeface="Microsoft JhengHei" panose="020B0604030504040204" pitchFamily="34" charset="-120"/>
-              <a:ea typeface="Microsoft JhengHei" panose="020B0604030504040204" pitchFamily="34" charset="-120"/>
-            </a:endParaRPr>
-          </a:p>
-          <a:p>
-            <a:pPr marL="0" indent="0" algn="ctr">
-              <a:buNone/>
-            </a:pPr>
-            <a:r>
-              <a:rPr lang="zh-CN" altLang="en-US" sz="5400" b="1" dirty="0">
-                <a:latin typeface="Microsoft JhengHei" panose="020B0604030504040204" pitchFamily="34" charset="-120"/>
-                <a:ea typeface="Microsoft JhengHei" panose="020B0604030504040204" pitchFamily="34" charset="-120"/>
-              </a:rPr>
-              <a:t>顯</a:t>
-            </a:r>
-            <a:r>
-              <a:rPr lang="zh-CN" altLang="en-US" sz="5400" b="1" dirty="0" smtClean="0">
-                <a:latin typeface="Microsoft JhengHei" panose="020B0604030504040204" pitchFamily="34" charset="-120"/>
-                <a:ea typeface="Microsoft JhengHei" panose="020B0604030504040204" pitchFamily="34" charset="-120"/>
-              </a:rPr>
-              <a:t>明舊日之福音</a:t>
-            </a:r>
-            <a:endParaRPr lang="en-US" altLang="zh-CN" sz="5400" b="1" dirty="0" smtClean="0">
-              <a:latin typeface="Microsoft JhengHei" panose="020B0604030504040204" pitchFamily="34" charset="-120"/>
-              <a:ea typeface="Microsoft JhengHei" panose="020B0604030504040204" pitchFamily="34" charset="-120"/>
-            </a:endParaRPr>
-          </a:p>
-          <a:p>
-            <a:pPr marL="0" indent="0" algn="ctr">
-              <a:buNone/>
-            </a:pPr>
-            <a:r>
-              <a:rPr lang="zh-CN" altLang="en-US" sz="5400" b="1" dirty="0">
-                <a:latin typeface="Microsoft JhengHei" panose="020B0604030504040204" pitchFamily="34" charset="-120"/>
-                <a:ea typeface="Microsoft JhengHei" panose="020B0604030504040204" pitchFamily="34" charset="-120"/>
-              </a:rPr>
-              <a:t>耶</a:t>
-            </a:r>
-            <a:r>
-              <a:rPr lang="zh-CN" altLang="en-US" sz="5400" b="1" dirty="0" smtClean="0">
-                <a:latin typeface="Microsoft JhengHei" panose="020B0604030504040204" pitchFamily="34" charset="-120"/>
-                <a:ea typeface="Microsoft JhengHei" panose="020B0604030504040204" pitchFamily="34" charset="-120"/>
-              </a:rPr>
-              <a:t>穌仁愛永存</a:t>
-            </a:r>
-            <a:endParaRPr lang="vi-VN" sz="5400" b="1" dirty="0">
-              <a:ea typeface="Microsoft JhengHei" panose="020B0604030504040204" pitchFamily="34" charset="-120"/>
+              <a:t>( 2 )</a:t>
+            </a:r>
+            <a:endParaRPr lang="vi-VN" sz="4800" b="1" dirty="0">
+              <a:solidFill>
+                <a:srgbClr val="660033"/>
+              </a:solidFill>
             </a:endParaRPr>
           </a:p>
         </p:txBody>
@@ -4138,13 +4887,20 @@
     </p:spTree>
     <p:extLst>
       <p:ext uri="{BB962C8B-B14F-4D97-AF65-F5344CB8AC3E}">
-        <p14:creationId xmlns:p14="http://schemas.microsoft.com/office/powerpoint/2010/main" val="3988948265"/>
+        <p14:creationId xmlns:p14="http://schemas.microsoft.com/office/powerpoint/2010/main" val="718657045"/>
       </p:ext>
     </p:extLst>
   </p:cSld>
   <p:clrMapOvr>
     <a:masterClrMapping/>
   </p:clrMapOvr>
+  <p:timing>
+    <p:tnLst>
+      <p:par>
+        <p:cTn id="1" dur="indefinite" restart="never" nodeType="tmRoot"/>
+      </p:par>
+    </p:tnLst>
+  </p:timing>
 </p:sld>
 </file>
 
@@ -4167,62 +4923,43 @@
       </p:grpSpPr>
       <p:sp>
         <p:nvSpPr>
-          <p:cNvPr id="2" name="Title 1"/>
-          <p:cNvSpPr>
-            <a:spLocks noGrp="1"/>
-          </p:cNvSpPr>
-          <p:nvPr>
-            <p:ph type="title"/>
-          </p:nvPr>
-        </p:nvSpPr>
-        <p:spPr/>
-        <p:txBody>
-          <a:bodyPr>
+          <p:cNvPr id="5" name="內容版面配置區 4"/>
+          <p:cNvSpPr>
+            <a:spLocks noGrp="1"/>
+          </p:cNvSpPr>
+          <p:nvPr>
+            <p:ph idx="1"/>
+          </p:nvPr>
+        </p:nvSpPr>
+        <p:spPr>
+          <a:xfrm>
+            <a:off x="0" y="2084851"/>
+            <a:ext cx="12192000" cy="2404863"/>
+          </a:xfrm>
+        </p:spPr>
+        <p:txBody>
+          <a:bodyPr anchor="ctr">
             <a:normAutofit/>
           </a:bodyPr>
           <a:lstStyle/>
           <a:p>
-            <a:r>
-              <a:rPr lang="zh-CN" altLang="en-US" sz="4800" b="1" dirty="0" smtClean="0">
+            <a:pPr marL="0" indent="0" algn="ctr">
+              <a:buNone/>
+            </a:pPr>
+            <a:r>
+              <a:rPr lang="zh-CN" altLang="en-US" sz="6400" b="1" dirty="0">
+                <a:solidFill>
+                  <a:srgbClr val="660033"/>
+                </a:solidFill>
                 <a:latin typeface="Microsoft JhengHei" panose="020B0604030504040204" pitchFamily="34" charset="-120"/>
                 <a:ea typeface="Microsoft JhengHei" panose="020B0604030504040204" pitchFamily="34" charset="-120"/>
               </a:rPr>
-              <a:t>喜傳福音</a:t>
-            </a:r>
-            <a:endParaRPr lang="vi-VN" sz="4800" b="1" dirty="0">
-              <a:ea typeface="Microsoft JhengHei" panose="020B0604030504040204" pitchFamily="34" charset="-120"/>
-            </a:endParaRPr>
-          </a:p>
-        </p:txBody>
-      </p:sp>
-      <p:sp>
-        <p:nvSpPr>
-          <p:cNvPr id="3" name="Content Placeholder 2"/>
-          <p:cNvSpPr>
-            <a:spLocks noGrp="1"/>
-          </p:cNvSpPr>
-          <p:nvPr>
-            <p:ph idx="1"/>
-          </p:nvPr>
-        </p:nvSpPr>
-        <p:spPr/>
-        <p:txBody>
-          <a:bodyPr>
-            <a:normAutofit/>
-          </a:bodyPr>
-          <a:lstStyle/>
-          <a:p>
-            <a:pPr marL="0" indent="0" algn="ctr">
-              <a:buNone/>
-            </a:pPr>
-            <a:r>
-              <a:rPr lang="zh-CN" altLang="en-US" sz="5400" b="1" dirty="0" smtClean="0">
-                <a:latin typeface="Microsoft JhengHei" panose="020B0604030504040204" pitchFamily="34" charset="-120"/>
-                <a:ea typeface="Microsoft JhengHei" panose="020B0604030504040204" pitchFamily="34" charset="-120"/>
-              </a:rPr>
-              <a:t>我傳福音甚歡欣  人雖熟聽能記</a:t>
-            </a:r>
-            <a:endParaRPr lang="en-US" altLang="zh-CN" sz="5400" b="1" dirty="0" smtClean="0">
+              <a:t>我喜宣傳主福音  此道已經救我</a:t>
+            </a:r>
+            <a:endParaRPr lang="en-US" altLang="zh-CN" sz="6400" b="1" dirty="0">
+              <a:solidFill>
+                <a:srgbClr val="660033"/>
+              </a:solidFill>
               <a:latin typeface="Microsoft JhengHei" panose="020B0604030504040204" pitchFamily="34" charset="-120"/>
               <a:ea typeface="Microsoft JhengHei" panose="020B0604030504040204" pitchFamily="34" charset="-120"/>
             </a:endParaRPr>
@@ -4232,67 +4969,33 @@
               <a:buNone/>
             </a:pPr>
             <a:r>
-              <a:rPr lang="zh-CN" altLang="en-US" sz="5400" b="1" dirty="0">
-                <a:latin typeface="Microsoft JhengHei" panose="020B0604030504040204" pitchFamily="34" charset="-120"/>
+              <a:rPr lang="zh-CN" altLang="en-US" sz="6400" b="1" dirty="0">
+                <a:solidFill>
+                  <a:srgbClr val="660033"/>
+                </a:solidFill>
                 <a:ea typeface="Microsoft JhengHei" panose="020B0604030504040204" pitchFamily="34" charset="-120"/>
               </a:rPr>
-              <a:t>因為思慕如飢</a:t>
-            </a:r>
-            <a:r>
-              <a:rPr lang="zh-CN" altLang="en-US" sz="5400" b="1" dirty="0" smtClean="0">
-                <a:latin typeface="Microsoft JhengHei" panose="020B0604030504040204" pitchFamily="34" charset="-120"/>
-                <a:ea typeface="Microsoft JhengHei" panose="020B0604030504040204" pitchFamily="34" charset="-120"/>
-              </a:rPr>
-              <a:t>渴  再聽仍不足意</a:t>
-            </a:r>
-            <a:endParaRPr lang="en-US" altLang="zh-CN" sz="5400" b="1" dirty="0" smtClean="0">
-              <a:latin typeface="Microsoft JhengHei" panose="020B0604030504040204" pitchFamily="34" charset="-120"/>
+              <a:t>所以始終仍然傳  我今傳道救人</a:t>
+            </a:r>
+            <a:endParaRPr lang="vi-VN" sz="6400" b="1" dirty="0">
+              <a:solidFill>
+                <a:srgbClr val="660033"/>
+              </a:solidFill>
               <a:ea typeface="Microsoft JhengHei" panose="020B0604030504040204" pitchFamily="34" charset="-120"/>
             </a:endParaRPr>
           </a:p>
-          <a:p>
-            <a:pPr marL="0" indent="0" algn="ctr">
-              <a:buNone/>
-            </a:pPr>
-            <a:r>
-              <a:rPr lang="zh-CN" altLang="en-US" sz="5400" b="1" dirty="0" smtClean="0">
-                <a:latin typeface="Microsoft JhengHei" panose="020B0604030504040204" pitchFamily="34" charset="-120"/>
-                <a:ea typeface="Microsoft JhengHei" panose="020B0604030504040204" pitchFamily="34" charset="-120"/>
-              </a:rPr>
-              <a:t>等至榮耀之福地  樂唱新歌歡喜</a:t>
-            </a:r>
-            <a:endParaRPr lang="en-US" altLang="zh-CN" sz="5400" b="1" dirty="0" smtClean="0">
-              <a:latin typeface="Microsoft JhengHei" panose="020B0604030504040204" pitchFamily="34" charset="-120"/>
-              <a:ea typeface="Microsoft JhengHei" panose="020B0604030504040204" pitchFamily="34" charset="-120"/>
-            </a:endParaRPr>
-          </a:p>
-          <a:p>
-            <a:pPr marL="0" indent="0" algn="ctr">
-              <a:buNone/>
-            </a:pPr>
-            <a:r>
-              <a:rPr lang="zh-CN" altLang="en-US" sz="5400" b="1" dirty="0" smtClean="0">
-                <a:latin typeface="Microsoft JhengHei" panose="020B0604030504040204" pitchFamily="34" charset="-120"/>
-                <a:ea typeface="Microsoft JhengHei" panose="020B0604030504040204" pitchFamily="34" charset="-120"/>
-              </a:rPr>
-              <a:t>仍是舊日之福音  乃我愛慕久矣</a:t>
-            </a:r>
-            <a:endParaRPr lang="vi-VN" sz="5400" b="1" dirty="0">
-              <a:ea typeface="Microsoft JhengHei" panose="020B0604030504040204" pitchFamily="34" charset="-120"/>
-            </a:endParaRPr>
-          </a:p>
-        </p:txBody>
-      </p:sp>
-      <p:sp>
-        <p:nvSpPr>
-          <p:cNvPr id="4" name="TextBox 3"/>
+        </p:txBody>
+      </p:sp>
+      <p:sp>
+        <p:nvSpPr>
+          <p:cNvPr id="3" name="TextBox 2"/>
           <p:cNvSpPr txBox="1"/>
           <p:nvPr/>
         </p:nvSpPr>
         <p:spPr>
           <a:xfrm>
-            <a:off x="320842" y="1600201"/>
-            <a:ext cx="914400" cy="1015663"/>
+            <a:off x="0" y="5061182"/>
+            <a:ext cx="12192000" cy="830997"/>
           </a:xfrm>
           <a:prstGeom prst="rect">
             <a:avLst/>
@@ -4305,28 +5008,40 @@
           </a:bodyPr>
           <a:lstStyle/>
           <a:p>
-            <a:r>
-              <a:rPr lang="en-US" sz="6000" b="1" dirty="0"/>
-              <a:t>4</a:t>
-            </a:r>
-            <a:r>
-              <a:rPr lang="en-US" sz="6000" b="1" dirty="0" smtClean="0"/>
-              <a:t>.</a:t>
-            </a:r>
-            <a:endParaRPr lang="vi-VN" sz="6000" b="1" dirty="0"/>
+            <a:pPr algn="ctr"/>
+            <a:r>
+              <a:rPr lang="en-US" sz="4800" b="1" dirty="0">
+                <a:solidFill>
+                  <a:srgbClr val="660033"/>
+                </a:solidFill>
+              </a:rPr>
+              <a:t>( 2 )</a:t>
+            </a:r>
+            <a:endParaRPr lang="vi-VN" sz="4800" b="1" dirty="0">
+              <a:solidFill>
+                <a:srgbClr val="660033"/>
+              </a:solidFill>
+            </a:endParaRPr>
           </a:p>
         </p:txBody>
       </p:sp>
     </p:spTree>
     <p:extLst>
       <p:ext uri="{BB962C8B-B14F-4D97-AF65-F5344CB8AC3E}">
-        <p14:creationId xmlns:p14="http://schemas.microsoft.com/office/powerpoint/2010/main" val="848797288"/>
+        <p14:creationId xmlns:p14="http://schemas.microsoft.com/office/powerpoint/2010/main" val="4059857518"/>
       </p:ext>
     </p:extLst>
   </p:cSld>
   <p:clrMapOvr>
     <a:masterClrMapping/>
   </p:clrMapOvr>
+  <p:timing>
+    <p:tnLst>
+      <p:par>
+        <p:cTn id="1" dur="indefinite" restart="never" nodeType="tmRoot"/>
+      </p:par>
+    </p:tnLst>
+  </p:timing>
 </p:sld>
 </file>
 
@@ -4349,62 +5064,43 @@
       </p:grpSpPr>
       <p:sp>
         <p:nvSpPr>
-          <p:cNvPr id="2" name="Title 1"/>
-          <p:cNvSpPr>
-            <a:spLocks noGrp="1"/>
-          </p:cNvSpPr>
-          <p:nvPr>
-            <p:ph type="title"/>
-          </p:nvPr>
-        </p:nvSpPr>
-        <p:spPr/>
-        <p:txBody>
-          <a:bodyPr>
+          <p:cNvPr id="5" name="內容版面配置區 4"/>
+          <p:cNvSpPr>
+            <a:spLocks noGrp="1"/>
+          </p:cNvSpPr>
+          <p:nvPr>
+            <p:ph idx="1"/>
+          </p:nvPr>
+        </p:nvSpPr>
+        <p:spPr>
+          <a:xfrm>
+            <a:off x="0" y="2084851"/>
+            <a:ext cx="12192000" cy="2404863"/>
+          </a:xfrm>
+        </p:spPr>
+        <p:txBody>
+          <a:bodyPr anchor="ctr">
             <a:normAutofit/>
           </a:bodyPr>
           <a:lstStyle/>
           <a:p>
-            <a:r>
-              <a:rPr lang="zh-CN" altLang="en-US" sz="4800" b="1" dirty="0" smtClean="0">
-                <a:latin typeface="Microsoft JhengHei" panose="020B0604030504040204" pitchFamily="34" charset="-120"/>
-                <a:ea typeface="Microsoft JhengHei" panose="020B0604030504040204" pitchFamily="34" charset="-120"/>
-              </a:rPr>
-              <a:t>喜傳福音</a:t>
-            </a:r>
-            <a:endParaRPr lang="vi-VN" sz="4800" b="1" dirty="0">
-              <a:ea typeface="Microsoft JhengHei" panose="020B0604030504040204" pitchFamily="34" charset="-120"/>
-            </a:endParaRPr>
-          </a:p>
-        </p:txBody>
-      </p:sp>
-      <p:sp>
-        <p:nvSpPr>
-          <p:cNvPr id="3" name="Content Placeholder 2"/>
-          <p:cNvSpPr>
-            <a:spLocks noGrp="1"/>
-          </p:cNvSpPr>
-          <p:nvPr>
-            <p:ph idx="1"/>
-          </p:nvPr>
-        </p:nvSpPr>
-        <p:spPr/>
-        <p:txBody>
-          <a:bodyPr>
-            <a:normAutofit/>
-          </a:bodyPr>
-          <a:lstStyle/>
-          <a:p>
             <a:pPr marL="0" indent="0" algn="ctr">
               <a:buNone/>
             </a:pPr>
             <a:r>
-              <a:rPr lang="zh-CN" altLang="en-US" sz="5400" b="1" dirty="0" smtClean="0">
+              <a:rPr lang="zh-CN" altLang="en-US" sz="6400" b="1" dirty="0">
+                <a:solidFill>
+                  <a:srgbClr val="660033"/>
+                </a:solidFill>
                 <a:latin typeface="Microsoft JhengHei" panose="020B0604030504040204" pitchFamily="34" charset="-120"/>
                 <a:ea typeface="Microsoft JhengHei" panose="020B0604030504040204" pitchFamily="34" charset="-120"/>
               </a:rPr>
               <a:t>我傳福音甚歡欣</a:t>
             </a:r>
-            <a:endParaRPr lang="en-US" altLang="zh-CN" sz="5400" b="1" dirty="0" smtClean="0">
+            <a:endParaRPr lang="en-US" altLang="zh-CN" sz="6400" b="1" dirty="0">
+              <a:solidFill>
+                <a:srgbClr val="660033"/>
+              </a:solidFill>
               <a:latin typeface="Microsoft JhengHei" panose="020B0604030504040204" pitchFamily="34" charset="-120"/>
               <a:ea typeface="Microsoft JhengHei" panose="020B0604030504040204" pitchFamily="34" charset="-120"/>
             </a:endParaRPr>
@@ -4414,81 +5110,145 @@
               <a:buNone/>
             </a:pPr>
             <a:r>
-              <a:rPr lang="zh-CN" altLang="en-US" sz="5400" b="1" dirty="0">
+              <a:rPr lang="zh-CN" altLang="en-US" sz="6400" b="1" dirty="0">
+                <a:solidFill>
+                  <a:srgbClr val="660033"/>
+                </a:solidFill>
                 <a:latin typeface="Microsoft JhengHei" panose="020B0604030504040204" pitchFamily="34" charset="-120"/>
                 <a:ea typeface="Microsoft JhengHei" panose="020B0604030504040204" pitchFamily="34" charset="-120"/>
               </a:rPr>
-              <a:t>在</a:t>
-            </a:r>
-            <a:r>
-              <a:rPr lang="zh-CN" altLang="en-US" sz="5400" b="1" dirty="0" smtClean="0">
-                <a:latin typeface="Microsoft JhengHei" panose="020B0604030504040204" pitchFamily="34" charset="-120"/>
-                <a:ea typeface="Microsoft JhengHei" panose="020B0604030504040204" pitchFamily="34" charset="-120"/>
-              </a:rPr>
-              <a:t>天榮耀亦揚傳</a:t>
-            </a:r>
-            <a:endParaRPr lang="en-US" altLang="zh-CN" sz="5400" b="1" dirty="0" smtClean="0">
+              <a:t>在天榮耀亦揚傳</a:t>
+            </a:r>
+            <a:endParaRPr lang="en-US" altLang="zh-CN" sz="6400" b="1" dirty="0">
+              <a:solidFill>
+                <a:srgbClr val="660033"/>
+              </a:solidFill>
               <a:latin typeface="Microsoft JhengHei" panose="020B0604030504040204" pitchFamily="34" charset="-120"/>
               <a:ea typeface="Microsoft JhengHei" panose="020B0604030504040204" pitchFamily="34" charset="-120"/>
             </a:endParaRPr>
           </a:p>
-          <a:p>
-            <a:pPr marL="0" indent="0" algn="ctr">
-              <a:buNone/>
-            </a:pPr>
-            <a:r>
-              <a:rPr lang="zh-CN" altLang="en-US" sz="5400" b="1" dirty="0">
-                <a:latin typeface="Microsoft JhengHei" panose="020B0604030504040204" pitchFamily="34" charset="-120"/>
-                <a:ea typeface="Microsoft JhengHei" panose="020B0604030504040204" pitchFamily="34" charset="-120"/>
-              </a:rPr>
-              <a:t>顯</a:t>
-            </a:r>
-            <a:r>
-              <a:rPr lang="zh-CN" altLang="en-US" sz="5400" b="1" dirty="0" smtClean="0">
-                <a:latin typeface="Microsoft JhengHei" panose="020B0604030504040204" pitchFamily="34" charset="-120"/>
-                <a:ea typeface="Microsoft JhengHei" panose="020B0604030504040204" pitchFamily="34" charset="-120"/>
-              </a:rPr>
-              <a:t>明舊日之福音</a:t>
-            </a:r>
-            <a:endParaRPr lang="en-US" altLang="zh-CN" sz="5400" b="1" dirty="0" smtClean="0">
-              <a:latin typeface="Microsoft JhengHei" panose="020B0604030504040204" pitchFamily="34" charset="-120"/>
-              <a:ea typeface="Microsoft JhengHei" panose="020B0604030504040204" pitchFamily="34" charset="-120"/>
-            </a:endParaRPr>
-          </a:p>
-          <a:p>
-            <a:pPr marL="0" indent="0" algn="ctr">
-              <a:buNone/>
-            </a:pPr>
-            <a:r>
-              <a:rPr lang="zh-CN" altLang="en-US" sz="5400" b="1" dirty="0">
-                <a:latin typeface="Microsoft JhengHei" panose="020B0604030504040204" pitchFamily="34" charset="-120"/>
-                <a:ea typeface="Microsoft JhengHei" panose="020B0604030504040204" pitchFamily="34" charset="-120"/>
-              </a:rPr>
-              <a:t>耶</a:t>
-            </a:r>
-            <a:r>
-              <a:rPr lang="zh-CN" altLang="en-US" sz="5400" b="1" dirty="0" smtClean="0">
-                <a:latin typeface="Microsoft JhengHei" panose="020B0604030504040204" pitchFamily="34" charset="-120"/>
-                <a:ea typeface="Microsoft JhengHei" panose="020B0604030504040204" pitchFamily="34" charset="-120"/>
-              </a:rPr>
-              <a:t>穌仁愛永存</a:t>
-            </a:r>
-            <a:endParaRPr lang="vi-VN" sz="5400" b="1" dirty="0">
-              <a:ea typeface="Microsoft JhengHei" panose="020B0604030504040204" pitchFamily="34" charset="-120"/>
-            </a:endParaRPr>
-          </a:p>
         </p:txBody>
       </p:sp>
     </p:spTree>
     <p:extLst>
       <p:ext uri="{BB962C8B-B14F-4D97-AF65-F5344CB8AC3E}">
-        <p14:creationId xmlns:p14="http://schemas.microsoft.com/office/powerpoint/2010/main" val="3648020899"/>
+        <p14:creationId xmlns:p14="http://schemas.microsoft.com/office/powerpoint/2010/main" val="2930570737"/>
       </p:ext>
     </p:extLst>
   </p:cSld>
   <p:clrMapOvr>
     <a:masterClrMapping/>
   </p:clrMapOvr>
+  <p:timing>
+    <p:tnLst>
+      <p:par>
+        <p:cTn id="1" dur="indefinite" restart="never" nodeType="tmRoot"/>
+      </p:par>
+    </p:tnLst>
+  </p:timing>
+</p:sld>
+</file>
+
+<file path=ppt/slides/slide9.xml><?xml version="1.0" encoding="utf-8"?>
+<p:sld xmlns:a="http://schemas.openxmlformats.org/drawingml/2006/main" xmlns:r="http://schemas.openxmlformats.org/officeDocument/2006/relationships" xmlns:p="http://schemas.openxmlformats.org/presentationml/2006/main">
+  <p:cSld>
+    <p:spTree>
+      <p:nvGrpSpPr>
+        <p:cNvPr id="1" name=""/>
+        <p:cNvGrpSpPr/>
+        <p:nvPr/>
+      </p:nvGrpSpPr>
+      <p:grpSpPr>
+        <a:xfrm>
+          <a:off x="0" y="0"/>
+          <a:ext cx="0" cy="0"/>
+          <a:chOff x="0" y="0"/>
+          <a:chExt cx="0" cy="0"/>
+        </a:xfrm>
+      </p:grpSpPr>
+      <p:sp>
+        <p:nvSpPr>
+          <p:cNvPr id="5" name="內容版面配置區 4"/>
+          <p:cNvSpPr>
+            <a:spLocks noGrp="1"/>
+          </p:cNvSpPr>
+          <p:nvPr>
+            <p:ph idx="1"/>
+          </p:nvPr>
+        </p:nvSpPr>
+        <p:spPr>
+          <a:xfrm>
+            <a:off x="0" y="2084851"/>
+            <a:ext cx="12192000" cy="2404863"/>
+          </a:xfrm>
+        </p:spPr>
+        <p:txBody>
+          <a:bodyPr anchor="ctr">
+            <a:normAutofit/>
+          </a:bodyPr>
+          <a:lstStyle/>
+          <a:p>
+            <a:pPr marL="0" indent="0" algn="ctr">
+              <a:buNone/>
+            </a:pPr>
+            <a:r>
+              <a:rPr lang="zh-CN" altLang="en-US" sz="6400" b="1" dirty="0">
+                <a:solidFill>
+                  <a:srgbClr val="660033"/>
+                </a:solidFill>
+                <a:latin typeface="Microsoft JhengHei" panose="020B0604030504040204" pitchFamily="34" charset="-120"/>
+                <a:ea typeface="Microsoft JhengHei" panose="020B0604030504040204" pitchFamily="34" charset="-120"/>
+              </a:rPr>
+              <a:t>顯明舊日之福音</a:t>
+            </a:r>
+            <a:endParaRPr lang="en-US" altLang="zh-CN" sz="6400" b="1" dirty="0">
+              <a:solidFill>
+                <a:srgbClr val="660033"/>
+              </a:solidFill>
+              <a:latin typeface="Microsoft JhengHei" panose="020B0604030504040204" pitchFamily="34" charset="-120"/>
+              <a:ea typeface="Microsoft JhengHei" panose="020B0604030504040204" pitchFamily="34" charset="-120"/>
+            </a:endParaRPr>
+          </a:p>
+          <a:p>
+            <a:pPr marL="0" indent="0" algn="ctr">
+              <a:buNone/>
+            </a:pPr>
+            <a:r>
+              <a:rPr lang="zh-CN" altLang="en-US" sz="6400" b="1" dirty="0">
+                <a:solidFill>
+                  <a:srgbClr val="660033"/>
+                </a:solidFill>
+                <a:latin typeface="Microsoft JhengHei" panose="020B0604030504040204" pitchFamily="34" charset="-120"/>
+                <a:ea typeface="Microsoft JhengHei" panose="020B0604030504040204" pitchFamily="34" charset="-120"/>
+              </a:rPr>
+              <a:t>耶穌仁愛永存</a:t>
+            </a:r>
+            <a:endParaRPr lang="vi-VN" sz="6400" b="1" dirty="0">
+              <a:solidFill>
+                <a:srgbClr val="660033"/>
+              </a:solidFill>
+              <a:ea typeface="Microsoft JhengHei" panose="020B0604030504040204" pitchFamily="34" charset="-120"/>
+            </a:endParaRPr>
+          </a:p>
+        </p:txBody>
+      </p:sp>
+    </p:spTree>
+    <p:extLst>
+      <p:ext uri="{BB962C8B-B14F-4D97-AF65-F5344CB8AC3E}">
+        <p14:creationId xmlns:p14="http://schemas.microsoft.com/office/powerpoint/2010/main" val="977626820"/>
+      </p:ext>
+    </p:extLst>
+  </p:cSld>
+  <p:clrMapOvr>
+    <a:masterClrMapping/>
+  </p:clrMapOvr>
+  <p:timing>
+    <p:tnLst>
+      <p:par>
+        <p:cTn id="1" dur="indefinite" restart="never" nodeType="tmRoot"/>
+      </p:par>
+    </p:tnLst>
+  </p:timing>
 </p:sld>
 </file>
 

--- a/宣道詩/(宣道詩174)喜傳福音.pptx
+++ b/宣道詩/(宣道詩174)喜傳福音.pptx
@@ -309,7 +309,7 @@
           <a:p>
             <a:fld id="{AB45A10F-A4B6-4674-BA3A-3E67A99839FA}" type="datetimeFigureOut">
               <a:rPr lang="vi-VN" smtClean="0"/>
-              <a:t>20/08/2021</a:t>
+              <a:t>27/05/2023</a:t>
             </a:fld>
             <a:endParaRPr lang="vi-VN"/>
           </a:p>
@@ -479,7 +479,7 @@
           <a:p>
             <a:fld id="{AB45A10F-A4B6-4674-BA3A-3E67A99839FA}" type="datetimeFigureOut">
               <a:rPr lang="vi-VN" smtClean="0"/>
-              <a:t>20/08/2021</a:t>
+              <a:t>27/05/2023</a:t>
             </a:fld>
             <a:endParaRPr lang="vi-VN"/>
           </a:p>
@@ -659,7 +659,7 @@
           <a:p>
             <a:fld id="{AB45A10F-A4B6-4674-BA3A-3E67A99839FA}" type="datetimeFigureOut">
               <a:rPr lang="vi-VN" smtClean="0"/>
-              <a:t>20/08/2021</a:t>
+              <a:t>27/05/2023</a:t>
             </a:fld>
             <a:endParaRPr lang="vi-VN"/>
           </a:p>
@@ -829,7 +829,7 @@
           <a:p>
             <a:fld id="{AB45A10F-A4B6-4674-BA3A-3E67A99839FA}" type="datetimeFigureOut">
               <a:rPr lang="vi-VN" smtClean="0"/>
-              <a:t>20/08/2021</a:t>
+              <a:t>27/05/2023</a:t>
             </a:fld>
             <a:endParaRPr lang="vi-VN"/>
           </a:p>
@@ -1075,7 +1075,7 @@
           <a:p>
             <a:fld id="{AB45A10F-A4B6-4674-BA3A-3E67A99839FA}" type="datetimeFigureOut">
               <a:rPr lang="vi-VN" smtClean="0"/>
-              <a:t>20/08/2021</a:t>
+              <a:t>27/05/2023</a:t>
             </a:fld>
             <a:endParaRPr lang="vi-VN"/>
           </a:p>
@@ -1363,7 +1363,7 @@
           <a:p>
             <a:fld id="{AB45A10F-A4B6-4674-BA3A-3E67A99839FA}" type="datetimeFigureOut">
               <a:rPr lang="vi-VN" smtClean="0"/>
-              <a:t>20/08/2021</a:t>
+              <a:t>27/05/2023</a:t>
             </a:fld>
             <a:endParaRPr lang="vi-VN"/>
           </a:p>
@@ -1785,7 +1785,7 @@
           <a:p>
             <a:fld id="{AB45A10F-A4B6-4674-BA3A-3E67A99839FA}" type="datetimeFigureOut">
               <a:rPr lang="vi-VN" smtClean="0"/>
-              <a:t>20/08/2021</a:t>
+              <a:t>27/05/2023</a:t>
             </a:fld>
             <a:endParaRPr lang="vi-VN"/>
           </a:p>
@@ -1903,7 +1903,7 @@
           <a:p>
             <a:fld id="{AB45A10F-A4B6-4674-BA3A-3E67A99839FA}" type="datetimeFigureOut">
               <a:rPr lang="vi-VN" smtClean="0"/>
-              <a:t>20/08/2021</a:t>
+              <a:t>27/05/2023</a:t>
             </a:fld>
             <a:endParaRPr lang="vi-VN"/>
           </a:p>
@@ -1998,7 +1998,7 @@
           <a:p>
             <a:fld id="{AB45A10F-A4B6-4674-BA3A-3E67A99839FA}" type="datetimeFigureOut">
               <a:rPr lang="vi-VN" smtClean="0"/>
-              <a:t>20/08/2021</a:t>
+              <a:t>27/05/2023</a:t>
             </a:fld>
             <a:endParaRPr lang="vi-VN"/>
           </a:p>
@@ -2275,7 +2275,7 @@
           <a:p>
             <a:fld id="{AB45A10F-A4B6-4674-BA3A-3E67A99839FA}" type="datetimeFigureOut">
               <a:rPr lang="vi-VN" smtClean="0"/>
-              <a:t>20/08/2021</a:t>
+              <a:t>27/05/2023</a:t>
             </a:fld>
             <a:endParaRPr lang="vi-VN"/>
           </a:p>
@@ -2532,7 +2532,7 @@
           <a:p>
             <a:fld id="{AB45A10F-A4B6-4674-BA3A-3E67A99839FA}" type="datetimeFigureOut">
               <a:rPr lang="vi-VN" smtClean="0"/>
-              <a:t>20/08/2021</a:t>
+              <a:t>27/05/2023</a:t>
             </a:fld>
             <a:endParaRPr lang="vi-VN"/>
           </a:p>
@@ -2750,7 +2750,7 @@
           <a:p>
             <a:fld id="{AB45A10F-A4B6-4674-BA3A-3E67A99839FA}" type="datetimeFigureOut">
               <a:rPr lang="vi-VN" smtClean="0"/>
-              <a:t>20/08/2021</a:t>
+              <a:t>27/05/2023</a:t>
             </a:fld>
             <a:endParaRPr lang="vi-VN"/>
           </a:p>
@@ -3229,24 +3229,7 @@
                 <a:latin typeface="微軟正黑體" pitchFamily="34" charset="-120"/>
                 <a:ea typeface="微軟正黑體" pitchFamily="34" charset="-120"/>
               </a:rPr>
-              <a:t>喜</a:t>
-            </a:r>
-            <a:r>
-              <a:rPr lang="zh-CN" altLang="en-US" sz="8000" b="1" dirty="0">
-                <a:solidFill>
-                  <a:srgbClr val="660033"/>
-                </a:solidFill>
-                <a:effectLst>
-                  <a:outerShdw blurRad="38100" dist="38100" dir="2700000" algn="tl">
-                    <a:srgbClr val="000000">
-                      <a:alpha val="43137"/>
-                    </a:srgbClr>
-                  </a:outerShdw>
-                </a:effectLst>
-                <a:latin typeface="微軟正黑體" pitchFamily="34" charset="-120"/>
-                <a:ea typeface="微軟正黑體" pitchFamily="34" charset="-120"/>
-              </a:rPr>
-              <a:t>傳福音</a:t>
+              <a:t>喜傳福音</a:t>
             </a:r>
             <a:endParaRPr lang="zh-TW" altLang="en-US" sz="8000" b="1" dirty="0">
               <a:solidFill>
@@ -3378,7 +3361,7 @@
         <p:spPr>
           <a:xfrm>
             <a:off x="0" y="5061182"/>
-            <a:ext cx="12192000" cy="830997"/>
+            <a:ext cx="12192000" cy="646331"/>
           </a:xfrm>
           <a:prstGeom prst="rect">
             <a:avLst/>
@@ -3393,14 +3376,30 @@
           <a:p>
             <a:pPr algn="ctr"/>
             <a:r>
-              <a:rPr lang="en-US" sz="4800" b="1" dirty="0">
+              <a:rPr lang="en-US" sz="3600" b="1" dirty="0">
                 <a:solidFill>
                   <a:srgbClr val="660033"/>
                 </a:solidFill>
               </a:rPr>
-              <a:t>( 3 )</a:t>
-            </a:r>
-            <a:endParaRPr lang="vi-VN" sz="4800" b="1" dirty="0">
+              <a:t>( </a:t>
+            </a:r>
+            <a:r>
+              <a:rPr lang="en-US" sz="3600" b="1" dirty="0">
+                <a:solidFill>
+                  <a:srgbClr val="660033"/>
+                </a:solidFill>
+              </a:rPr>
+              <a:t>3 </a:t>
+            </a:r>
+            <a:r>
+              <a:rPr lang="en-US" sz="3600" b="1" dirty="0">
+                <a:solidFill>
+                  <a:srgbClr val="660033"/>
+                </a:solidFill>
+              </a:rPr>
+              <a:t>/ 4 )</a:t>
+            </a:r>
+            <a:endParaRPr lang="vi-VN" sz="3600" b="1" dirty="0">
               <a:solidFill>
                 <a:srgbClr val="660033"/>
               </a:solidFill>
@@ -3520,7 +3519,7 @@
         <p:spPr>
           <a:xfrm>
             <a:off x="0" y="5061182"/>
-            <a:ext cx="12192000" cy="830997"/>
+            <a:ext cx="12192000" cy="646331"/>
           </a:xfrm>
           <a:prstGeom prst="rect">
             <a:avLst/>
@@ -3535,14 +3534,14 @@
           <a:p>
             <a:pPr algn="ctr"/>
             <a:r>
-              <a:rPr lang="en-US" sz="4800" b="1" dirty="0">
+              <a:rPr lang="en-US" sz="3600" b="1" dirty="0">
                 <a:solidFill>
                   <a:srgbClr val="660033"/>
                 </a:solidFill>
               </a:rPr>
-              <a:t>( 3 )</a:t>
-            </a:r>
-            <a:endParaRPr lang="vi-VN" sz="4800" b="1" dirty="0">
+              <a:t>( 3 / 4 )</a:t>
+            </a:r>
+            <a:endParaRPr lang="vi-VN" sz="3600" b="1" dirty="0">
               <a:solidFill>
                 <a:srgbClr val="660033"/>
               </a:solidFill>
@@ -3870,7 +3869,7 @@
         <p:spPr>
           <a:xfrm>
             <a:off x="0" y="5061182"/>
-            <a:ext cx="12192000" cy="830997"/>
+            <a:ext cx="12192000" cy="646331"/>
           </a:xfrm>
           <a:prstGeom prst="rect">
             <a:avLst/>
@@ -3885,14 +3884,30 @@
           <a:p>
             <a:pPr algn="ctr"/>
             <a:r>
-              <a:rPr lang="en-US" sz="4800" b="1" dirty="0">
+              <a:rPr lang="en-US" sz="3600" b="1" dirty="0">
                 <a:solidFill>
                   <a:srgbClr val="660033"/>
                 </a:solidFill>
               </a:rPr>
-              <a:t>( 4 )</a:t>
-            </a:r>
-            <a:endParaRPr lang="vi-VN" sz="4800" b="1" dirty="0">
+              <a:t>( </a:t>
+            </a:r>
+            <a:r>
+              <a:rPr lang="en-US" sz="3600" b="1" dirty="0">
+                <a:solidFill>
+                  <a:srgbClr val="660033"/>
+                </a:solidFill>
+              </a:rPr>
+              <a:t>4 </a:t>
+            </a:r>
+            <a:r>
+              <a:rPr lang="en-US" sz="3600" b="1" dirty="0">
+                <a:solidFill>
+                  <a:srgbClr val="660033"/>
+                </a:solidFill>
+              </a:rPr>
+              <a:t>/ 4 )</a:t>
+            </a:r>
+            <a:endParaRPr lang="vi-VN" sz="3600" b="1" dirty="0">
               <a:solidFill>
                 <a:srgbClr val="660033"/>
               </a:solidFill>
@@ -4012,7 +4027,7 @@
         <p:spPr>
           <a:xfrm>
             <a:off x="0" y="5061182"/>
-            <a:ext cx="12192000" cy="830997"/>
+            <a:ext cx="12192000" cy="646331"/>
           </a:xfrm>
           <a:prstGeom prst="rect">
             <a:avLst/>
@@ -4027,14 +4042,14 @@
           <a:p>
             <a:pPr algn="ctr"/>
             <a:r>
-              <a:rPr lang="en-US" sz="4800" b="1" dirty="0">
+              <a:rPr lang="en-US" sz="3600" b="1" dirty="0">
                 <a:solidFill>
                   <a:srgbClr val="660033"/>
                 </a:solidFill>
               </a:rPr>
-              <a:t>( 4 )</a:t>
-            </a:r>
-            <a:endParaRPr lang="vi-VN" sz="4800" b="1" dirty="0">
+              <a:t>( 4 / 4 )</a:t>
+            </a:r>
+            <a:endParaRPr lang="vi-VN" sz="3600" b="1" dirty="0">
               <a:solidFill>
                 <a:srgbClr val="660033"/>
               </a:solidFill>
@@ -4362,7 +4377,7 @@
         <p:spPr>
           <a:xfrm>
             <a:off x="0" y="5061182"/>
-            <a:ext cx="12192000" cy="830997"/>
+            <a:ext cx="12192000" cy="646331"/>
           </a:xfrm>
           <a:prstGeom prst="rect">
             <a:avLst/>
@@ -4377,14 +4392,30 @@
           <a:p>
             <a:pPr algn="ctr"/>
             <a:r>
-              <a:rPr lang="en-US" sz="4800" b="1" dirty="0">
+              <a:rPr lang="en-US" sz="3600" b="1" dirty="0">
                 <a:solidFill>
                   <a:srgbClr val="660033"/>
                 </a:solidFill>
               </a:rPr>
-              <a:t>( 1 )</a:t>
-            </a:r>
-            <a:endParaRPr lang="vi-VN" sz="4800" b="1" dirty="0">
+              <a:t>( </a:t>
+            </a:r>
+            <a:r>
+              <a:rPr lang="en-US" sz="3600" b="1" dirty="0" smtClean="0">
+                <a:solidFill>
+                  <a:srgbClr val="660033"/>
+                </a:solidFill>
+              </a:rPr>
+              <a:t>1 / 4 </a:t>
+            </a:r>
+            <a:r>
+              <a:rPr lang="en-US" sz="3600" b="1" dirty="0">
+                <a:solidFill>
+                  <a:srgbClr val="660033"/>
+                </a:solidFill>
+              </a:rPr>
+              <a:t>)</a:t>
+            </a:r>
+            <a:endParaRPr lang="vi-VN" sz="3600" b="1" dirty="0">
               <a:solidFill>
                 <a:srgbClr val="660033"/>
               </a:solidFill>
@@ -4504,7 +4535,7 @@
         <p:spPr>
           <a:xfrm>
             <a:off x="0" y="5061182"/>
-            <a:ext cx="12192000" cy="830997"/>
+            <a:ext cx="12192000" cy="646331"/>
           </a:xfrm>
           <a:prstGeom prst="rect">
             <a:avLst/>
@@ -4519,14 +4550,14 @@
           <a:p>
             <a:pPr algn="ctr"/>
             <a:r>
-              <a:rPr lang="en-US" sz="4800" b="1" dirty="0">
+              <a:rPr lang="en-US" sz="3600" b="1" dirty="0">
                 <a:solidFill>
                   <a:srgbClr val="660033"/>
                 </a:solidFill>
               </a:rPr>
-              <a:t>( 1 )</a:t>
-            </a:r>
-            <a:endParaRPr lang="vi-VN" sz="4800" b="1" dirty="0">
+              <a:t>( 1 / 4 )</a:t>
+            </a:r>
+            <a:endParaRPr lang="vi-VN" sz="3600" b="1" dirty="0">
               <a:solidFill>
                 <a:srgbClr val="660033"/>
               </a:solidFill>
@@ -4854,7 +4885,7 @@
         <p:spPr>
           <a:xfrm>
             <a:off x="0" y="5061182"/>
-            <a:ext cx="12192000" cy="830997"/>
+            <a:ext cx="12192000" cy="646331"/>
           </a:xfrm>
           <a:prstGeom prst="rect">
             <a:avLst/>
@@ -4869,14 +4900,30 @@
           <a:p>
             <a:pPr algn="ctr"/>
             <a:r>
-              <a:rPr lang="en-US" sz="4800" b="1" dirty="0">
+              <a:rPr lang="en-US" sz="3600" b="1" dirty="0">
                 <a:solidFill>
                   <a:srgbClr val="660033"/>
                 </a:solidFill>
               </a:rPr>
-              <a:t>( 2 )</a:t>
-            </a:r>
-            <a:endParaRPr lang="vi-VN" sz="4800" b="1" dirty="0">
+              <a:t>( </a:t>
+            </a:r>
+            <a:r>
+              <a:rPr lang="en-US" sz="3600" b="1" dirty="0">
+                <a:solidFill>
+                  <a:srgbClr val="660033"/>
+                </a:solidFill>
+              </a:rPr>
+              <a:t>2 </a:t>
+            </a:r>
+            <a:r>
+              <a:rPr lang="en-US" sz="3600" b="1" dirty="0">
+                <a:solidFill>
+                  <a:srgbClr val="660033"/>
+                </a:solidFill>
+              </a:rPr>
+              <a:t>/ 4 )</a:t>
+            </a:r>
+            <a:endParaRPr lang="vi-VN" sz="3600" b="1" dirty="0">
               <a:solidFill>
                 <a:srgbClr val="660033"/>
               </a:solidFill>
@@ -4995,7 +5042,7 @@
         <p:spPr>
           <a:xfrm>
             <a:off x="0" y="5061182"/>
-            <a:ext cx="12192000" cy="830997"/>
+            <a:ext cx="12192000" cy="646331"/>
           </a:xfrm>
           <a:prstGeom prst="rect">
             <a:avLst/>
@@ -5010,14 +5057,14 @@
           <a:p>
             <a:pPr algn="ctr"/>
             <a:r>
-              <a:rPr lang="en-US" sz="4800" b="1" dirty="0">
+              <a:rPr lang="en-US" sz="3600" b="1" dirty="0">
                 <a:solidFill>
                   <a:srgbClr val="660033"/>
                 </a:solidFill>
               </a:rPr>
-              <a:t>( 2 )</a:t>
-            </a:r>
-            <a:endParaRPr lang="vi-VN" sz="4800" b="1" dirty="0">
+              <a:t>( 2 / 4 )</a:t>
+            </a:r>
+            <a:endParaRPr lang="vi-VN" sz="3600" b="1" dirty="0">
               <a:solidFill>
                 <a:srgbClr val="660033"/>
               </a:solidFill>
